--- a/doc/RxJava2/RxJava2数据流分析_20181102.pptx
+++ b/doc/RxJava2/RxJava2数据流分析_20181102.pptx
@@ -3,34 +3,34 @@
 <p:presentation xmlns:a="http://schemas.openxmlformats.org/drawingml/2006/main" xmlns:r="http://schemas.openxmlformats.org/officeDocument/2006/relationships" xmlns:p="http://schemas.openxmlformats.org/presentationml/2006/main">
   <p:sldMasterIdLst>
     <p:sldMasterId id="2147483648" r:id="rId1"/>
-    <p:sldMasterId id="2147483652" r:id="rId3"/>
+    <p:sldMasterId id="2147483652" r:id="rId2"/>
   </p:sldMasterIdLst>
   <p:notesMasterIdLst>
-    <p:notesMasterId r:id="rId5"/>
+    <p:notesMasterId r:id="rId25"/>
   </p:notesMasterIdLst>
   <p:sldIdLst>
-    <p:sldId id="256" r:id="rId4"/>
-    <p:sldId id="257" r:id="rId6"/>
-    <p:sldId id="300" r:id="rId7"/>
-    <p:sldId id="280" r:id="rId8"/>
-    <p:sldId id="281" r:id="rId9"/>
-    <p:sldId id="282" r:id="rId10"/>
-    <p:sldId id="284" r:id="rId11"/>
-    <p:sldId id="285" r:id="rId12"/>
-    <p:sldId id="290" r:id="rId13"/>
-    <p:sldId id="296" r:id="rId14"/>
-    <p:sldId id="288" r:id="rId15"/>
-    <p:sldId id="289" r:id="rId16"/>
-    <p:sldId id="316" r:id="rId17"/>
-    <p:sldId id="318" r:id="rId18"/>
-    <p:sldId id="322" r:id="rId19"/>
-    <p:sldId id="345" r:id="rId20"/>
-    <p:sldId id="321" r:id="rId21"/>
-    <p:sldId id="319" r:id="rId22"/>
-    <p:sldId id="365" r:id="rId23"/>
-    <p:sldId id="359" r:id="rId24"/>
-    <p:sldId id="363" r:id="rId25"/>
-    <p:sldId id="279" r:id="rId26"/>
+    <p:sldId id="256" r:id="rId3"/>
+    <p:sldId id="257" r:id="rId4"/>
+    <p:sldId id="300" r:id="rId5"/>
+    <p:sldId id="280" r:id="rId6"/>
+    <p:sldId id="281" r:id="rId7"/>
+    <p:sldId id="282" r:id="rId8"/>
+    <p:sldId id="284" r:id="rId9"/>
+    <p:sldId id="285" r:id="rId10"/>
+    <p:sldId id="290" r:id="rId11"/>
+    <p:sldId id="296" r:id="rId12"/>
+    <p:sldId id="288" r:id="rId13"/>
+    <p:sldId id="289" r:id="rId14"/>
+    <p:sldId id="316" r:id="rId15"/>
+    <p:sldId id="318" r:id="rId16"/>
+    <p:sldId id="322" r:id="rId17"/>
+    <p:sldId id="345" r:id="rId18"/>
+    <p:sldId id="321" r:id="rId19"/>
+    <p:sldId id="319" r:id="rId20"/>
+    <p:sldId id="365" r:id="rId21"/>
+    <p:sldId id="359" r:id="rId22"/>
+    <p:sldId id="363" r:id="rId23"/>
+    <p:sldId id="279" r:id="rId24"/>
   </p:sldIdLst>
   <p:sldSz cx="12192000" cy="6858000"/>
   <p:notesSz cx="6858000" cy="9144000"/>
@@ -322,6 +322,11 @@
       </a:defRPr>
     </a:lvl9pPr>
   </p:defaultTextStyle>
+  <p:extLst>
+    <p:ext uri="{EFAFB233-063F-42B5-8137-9DF3F51BA10A}">
+      <p15:sldGuideLst xmlns:p15="http://schemas.microsoft.com/office/powerpoint/2012/main"/>
+    </p:ext>
+  </p:extLst>
 </p:presentation>
 </file>
 
@@ -369,7 +374,9 @@
         <p:txBody>
           <a:bodyPr/>
           <a:lstStyle/>
-          <a:p/>
+          <a:p>
+            <a:endParaRPr/>
+          </a:p>
         </p:txBody>
       </p:sp>
       <p:sp>
@@ -394,7 +401,9 @@
         <p:txBody>
           <a:bodyPr/>
           <a:lstStyle/>
-          <a:p/>
+          <a:p>
+            <a:endParaRPr/>
+          </a:p>
         </p:txBody>
       </p:sp>
     </p:spTree>
@@ -701,7 +710,6 @@
               <a:rPr lang="zh-CN" altLang="en-US" dirty="0"/>
               <a:t>Observable通过onNext接口，将数据传递给Observer；</a:t>
             </a:r>
-            <a:endParaRPr lang="zh-CN" altLang="en-US" dirty="0"/>
           </a:p>
           <a:p>
             <a:r>
@@ -716,7 +724,6 @@
               <a:rPr lang="zh-CN" altLang="en-US" dirty="0"/>
               <a:t>当Observable已经执行结束，会调用Observer的onComplete方法通知Observer，此后Observable不会再发送数据给Observer了；</a:t>
             </a:r>
-            <a:endParaRPr lang="zh-CN" altLang="en-US" dirty="0"/>
           </a:p>
           <a:p>
             <a:r>
@@ -731,7 +738,6 @@
               <a:rPr lang="zh-CN" altLang="en-US" dirty="0"/>
               <a:t>当Observable因为异常而终止时，会调用Observer的onError方法告知Observer，此后Observable不会再发送数据给Observer了。</a:t>
             </a:r>
-            <a:endParaRPr lang="zh-CN" altLang="en-US" dirty="0"/>
           </a:p>
           <a:p>
             <a:r>
@@ -781,6 +787,10 @@
             <a:endParaRPr lang="en-US" altLang="zh-CN" dirty="0"/>
           </a:p>
           <a:p>
+            <a:r>
+              <a:rPr lang="en-US" altLang="zh-CN" dirty="0"/>
+              <a:t/>
+            </a:r>
             <a:br>
               <a:rPr lang="en-US" altLang="zh-CN" dirty="0"/>
             </a:br>
@@ -788,7 +798,6 @@
               <a:rPr lang="en-US" altLang="zh-CN" dirty="0"/>
               <a:t>Observable</a:t>
             </a:r>
-            <a:endParaRPr lang="en-US" altLang="zh-CN" dirty="0"/>
           </a:p>
           <a:p>
             <a:r>
@@ -799,7 +808,6 @@
               <a:rPr lang="zh-CN" altLang="zh-CN" dirty="0"/>
               <a:t>：表示Observer已经准备就绪，可以接受Observable的消息/数据了；</a:t>
             </a:r>
-            <a:endParaRPr lang="zh-CN" altLang="zh-CN" dirty="0"/>
           </a:p>
           <a:p>
             <a:r>
@@ -982,8 +990,25 @@
           </a:p>
           <a:p>
             <a:r>
+              <a:rPr kumimoji="0" lang="zh-CN" altLang="en-US" sz="1800" b="0" i="0" u="none" strike="noStrike" cap="none" spc="0" normalizeH="0" baseline="0" dirty="0" smtClean="0">
+                <a:ln>
+                  <a:noFill/>
+                </a:ln>
+                <a:solidFill>
+                  <a:srgbClr val="000000"/>
+                </a:solidFill>
+                <a:effectLst/>
+                <a:uFillTx/>
+                <a:latin typeface="+mj-lt"/>
+                <a:ea typeface="+mj-ea"/>
+                <a:cs typeface="+mj-cs"/>
+                <a:sym typeface="Helvetica"/>
+              </a:rPr>
+              <a:t>just</a:t>
+            </a:r>
+            <a:r>
               <a:rPr lang="en-US" altLang="zh-CN" dirty="0" smtClean="0"/>
-              <a:t>map()</a:t>
+              <a:t>()</a:t>
             </a:r>
             <a:r>
               <a:rPr lang="zh-CN" altLang="en-US" dirty="0" smtClean="0"/>
@@ -998,12 +1023,16 @@
               <a:t>对象，调用</a:t>
             </a:r>
             <a:r>
-              <a:rPr lang="en-US" altLang="zh-CN" dirty="0" smtClean="0"/>
-              <a:t>map</a:t>
+              <a:rPr lang="en-US" altLang="zh-CN" smtClean="0"/>
+              <a:t>map()</a:t>
+            </a:r>
+            <a:r>
+              <a:rPr lang="zh-CN" altLang="en-US" smtClean="0"/>
+              <a:t>方法</a:t>
             </a:r>
             <a:r>
               <a:rPr lang="zh-CN" altLang="en-US" dirty="0" smtClean="0"/>
-              <a:t>方法时，会创建一个</a:t>
+              <a:t>时，会创建一个</a:t>
             </a:r>
             <a:r>
               <a:rPr lang="en-US" altLang="zh-CN" dirty="0" err="1" smtClean="0"/>
@@ -1294,7 +1323,6 @@
               <a:rPr lang="zh-CN" altLang="en-US" dirty="0"/>
               <a:t>的对象；</a:t>
             </a:r>
-            <a:endParaRPr lang="zh-CN" altLang="en-US" dirty="0"/>
           </a:p>
           <a:p>
             <a:r>
@@ -1317,7 +1345,6 @@
               <a:rPr lang="zh-CN" altLang="en-US" dirty="0"/>
               <a:t>的过程，形成数据流通的通道；</a:t>
             </a:r>
-            <a:endParaRPr lang="zh-CN" altLang="en-US" dirty="0"/>
           </a:p>
           <a:p>
             <a:r>
@@ -1348,7 +1375,6 @@
               <a:rPr lang="zh-CN" altLang="en-US" dirty="0"/>
               <a:t>的方法，一级一级的往下发送。</a:t>
             </a:r>
-            <a:endParaRPr lang="zh-CN" altLang="en-US" dirty="0"/>
           </a:p>
           <a:p>
             <a:endParaRPr lang="zh-CN" altLang="en-US" dirty="0"/>
@@ -1562,7 +1588,6 @@
               <a:rPr lang="zh-CN" altLang="zh-CN" dirty="0"/>
               <a:t>操作符链条</a:t>
             </a:r>
-            <a:endParaRPr lang="zh-CN" altLang="zh-CN" dirty="0"/>
           </a:p>
           <a:p>
             <a:r>
@@ -1593,7 +1618,6 @@
               <a:rPr lang="zh-CN" altLang="en-US" dirty="0"/>
               <a:t>进行修改。</a:t>
             </a:r>
-            <a:endParaRPr lang="zh-CN" altLang="en-US" dirty="0"/>
           </a:p>
         </p:txBody>
       </p:sp>
@@ -1783,13 +1807,6 @@
               </a:rPr>
               <a:t>中，操作符的顺序对最终的执行结果是有影响的。</a:t>
             </a:r>
-            <a:endParaRPr lang="zh-CN" altLang="en-US" b="0" i="0" dirty="0" smtClean="0">
-              <a:effectLst/>
-              <a:latin typeface="+mj-lt"/>
-              <a:ea typeface="+mj-ea"/>
-              <a:cs typeface="+mj-cs"/>
-              <a:sym typeface="Helvetica Neue"/>
-            </a:endParaRPr>
           </a:p>
           <a:p>
             <a:r>
@@ -2307,7 +2324,6 @@
               <a:rPr lang="zh-CN" altLang="en-US" sz="1800" dirty="0" smtClean="0"/>
               <a:t>的更新而更新。</a:t>
             </a:r>
-            <a:endParaRPr lang="zh-CN" altLang="en-US" sz="1800" dirty="0" smtClean="0"/>
           </a:p>
           <a:p>
             <a:endParaRPr lang="zh-CN" altLang="en-US" dirty="0"/>
@@ -2509,14 +2525,12 @@
               <a:rPr lang="zh-CN" altLang="en-US" dirty="0"/>
               <a:t>1）观察者模式的特点：</a:t>
             </a:r>
-            <a:endParaRPr lang="zh-CN" altLang="en-US" dirty="0"/>
           </a:p>
           <a:p>
             <a:r>
               <a:rPr lang="zh-CN" altLang="en-US" dirty="0"/>
               <a:t> - 定义一个观察者接口</a:t>
             </a:r>
-            <a:endParaRPr lang="zh-CN" altLang="en-US" dirty="0"/>
           </a:p>
           <a:p>
             <a:r>
@@ -2563,14 +2577,12 @@
               <a:rPr lang="zh-CN" altLang="en-US" dirty="0"/>
               <a:t>2）优点：</a:t>
             </a:r>
-            <a:endParaRPr lang="zh-CN" altLang="en-US" dirty="0"/>
           </a:p>
           <a:p>
             <a:r>
               <a:rPr lang="zh-CN" altLang="en-US" dirty="0"/>
               <a:t> - 实现了观察者和目标之间的抽象耦合。目标与观察者接口关联，而不与具体的观察者耦合，实现了目标与具体观察者之间的解耦。</a:t>
             </a:r>
-            <a:endParaRPr lang="zh-CN" altLang="en-US" dirty="0"/>
           </a:p>
           <a:p>
             <a:r>
@@ -2743,11 +2755,7 @@
             </a:r>
             <a:r>
               <a:rPr lang="en-US" altLang="zh-CN" dirty="0" smtClean="0"/>
-              <a:t>Flowable</a:t>
-            </a:r>
-            <a:r>
-              <a:rPr lang="en-US" altLang="zh-CN" dirty="0" smtClean="0"/>
-              <a:t>/Subscriber</a:t>
+              <a:t>Flowable/Subscriber</a:t>
             </a:r>
             <a:r>
               <a:rPr lang="zh-CN" altLang="en-US" dirty="0" smtClean="0"/>
@@ -2814,6 +2822,7 @@
           <a:p>
             <a:fld id="{86CB4B4D-7CA3-9044-876B-883B54F8677D}" type="slidenum">
               <a:rPr/>
+              <a:t>‹#›</a:t>
             </a:fld>
             <a:endParaRPr/>
           </a:p>
@@ -2829,7 +2838,7 @@
 </file>
 
 <file path=ppt/slideLayouts/slideLayout2.xml><?xml version="1.0" encoding="utf-8"?>
-<p:sldLayout xmlns:a="http://schemas.openxmlformats.org/drawingml/2006/main" xmlns:r="http://schemas.openxmlformats.org/officeDocument/2006/relationships" xmlns:p="http://schemas.openxmlformats.org/presentationml/2006/main" type="tx" showMasterSp="0">
+<p:sldLayout xmlns:a="http://schemas.openxmlformats.org/drawingml/2006/main" xmlns:r="http://schemas.openxmlformats.org/officeDocument/2006/relationships" xmlns:p="http://schemas.openxmlformats.org/presentationml/2006/main" showMasterSp="0" type="tx">
   <p:cSld name="内页2 空白">
     <p:spTree>
       <p:nvGrpSpPr>
@@ -2956,7 +2965,6 @@
               <a:rPr dirty="0"/>
               <a:t>Royole Public. All rights reserved.</a:t>
             </a:r>
-            <a:endParaRPr dirty="0"/>
           </a:p>
         </p:txBody>
       </p:sp>
@@ -2981,6 +2989,7 @@
           <a:p>
             <a:fld id="{86CB4B4D-7CA3-9044-876B-883B54F8677D}" type="slidenum">
               <a:rPr/>
+              <a:t>‹#›</a:t>
             </a:fld>
             <a:endParaRPr/>
           </a:p>
@@ -3064,6 +3073,7 @@
           <a:p>
             <a:fld id="{82F288E0-7875-42C4-84C8-98DBBD3BF4D2}" type="datetimeFigureOut">
               <a:rPr lang="zh-CN" altLang="en-US" smtClean="0"/>
+              <a:t>2020/8/26</a:t>
             </a:fld>
             <a:endParaRPr lang="zh-CN" altLang="en-US"/>
           </a:p>
@@ -3110,6 +3120,7 @@
           <a:p>
             <a:fld id="{86CB4B4D-7CA3-9044-876B-883B54F8677D}" type="slidenum">
               <a:rPr/>
+              <a:t>‹#›</a:t>
             </a:fld>
             <a:endParaRPr/>
           </a:p>
@@ -3162,6 +3173,7 @@
           <a:p>
             <a:fld id="{86CB4B4D-7CA3-9044-876B-883B54F8677D}" type="slidenum">
               <a:rPr/>
+              <a:t>‹#›</a:t>
             </a:fld>
             <a:endParaRPr/>
           </a:p>
@@ -3177,7 +3189,7 @@
 </file>
 
 <file path=ppt/slideLayouts/slideLayout5.xml><?xml version="1.0" encoding="utf-8"?>
-<p:sldLayout xmlns:a="http://schemas.openxmlformats.org/drawingml/2006/main" xmlns:r="http://schemas.openxmlformats.org/officeDocument/2006/relationships" xmlns:p="http://schemas.openxmlformats.org/presentationml/2006/main" type="tx" showMasterSp="0">
+<p:sldLayout xmlns:a="http://schemas.openxmlformats.org/drawingml/2006/main" xmlns:r="http://schemas.openxmlformats.org/officeDocument/2006/relationships" xmlns:p="http://schemas.openxmlformats.org/presentationml/2006/main" showMasterSp="0" type="tx">
   <p:cSld name="内页2 空白">
     <p:spTree>
       <p:nvGrpSpPr>
@@ -3304,7 +3316,6 @@
               <a:rPr dirty="0"/>
               <a:t>Royole Public. All rights reserved.</a:t>
             </a:r>
-            <a:endParaRPr dirty="0"/>
           </a:p>
         </p:txBody>
       </p:sp>
@@ -3329,6 +3340,7 @@
           <a:p>
             <a:fld id="{86CB4B4D-7CA3-9044-876B-883B54F8677D}" type="slidenum">
               <a:rPr/>
+              <a:t>‹#›</a:t>
             </a:fld>
             <a:endParaRPr/>
           </a:p>
@@ -3412,6 +3424,7 @@
           <a:p>
             <a:fld id="{82F288E0-7875-42C4-84C8-98DBBD3BF4D2}" type="datetimeFigureOut">
               <a:rPr lang="zh-CN" altLang="en-US" smtClean="0"/>
+              <a:t>2020/8/26</a:t>
             </a:fld>
             <a:endParaRPr lang="zh-CN" altLang="en-US"/>
           </a:p>
@@ -3458,6 +3471,7 @@
           <a:p>
             <a:fld id="{86CB4B4D-7CA3-9044-876B-883B54F8677D}" type="slidenum">
               <a:rPr/>
+              <a:t>‹#›</a:t>
             </a:fld>
             <a:endParaRPr/>
           </a:p>
@@ -3630,7 +3644,7 @@
           <p:nvPr/>
         </p:nvPicPr>
         <p:blipFill>
-          <a:blip r:embed="rId4">
+          <a:blip r:embed="rId5">
             <a:extLst>
               <a:ext uri="{28A0092B-C50C-407E-A947-70E740481C1C}">
                 <a14:useLocalDpi xmlns:a14="http://schemas.microsoft.com/office/drawing/2010/main" val="0"/>
@@ -3681,7 +3695,9 @@
         <p:txBody>
           <a:bodyPr lIns="45718" tIns="45718" rIns="45718" bIns="45718" anchor="ctr"/>
           <a:lstStyle/>
-          <a:p/>
+          <a:p>
+            <a:endParaRPr/>
+          </a:p>
         </p:txBody>
       </p:sp>
       <p:sp>
@@ -3709,7 +3725,9 @@
         <p:txBody>
           <a:bodyPr lIns="45718" tIns="45718" rIns="45718" bIns="45718"/>
           <a:lstStyle/>
-          <a:p/>
+          <a:p>
+            <a:endParaRPr/>
+          </a:p>
         </p:txBody>
       </p:sp>
       <p:sp>
@@ -3751,6 +3769,7 @@
           <a:p>
             <a:fld id="{86CB4B4D-7CA3-9044-876B-883B54F8677D}" type="slidenum">
               <a:rPr/>
+              <a:t>‹#›</a:t>
             </a:fld>
             <a:endParaRPr/>
           </a:p>
@@ -4667,7 +4686,6 @@
               <a:rPr sz="1800"/>
               <a:t>Royole Public. </a:t>
             </a:r>
-            <a:endParaRPr sz="1800"/>
           </a:p>
           <a:p>
             <a:pPr algn="r">
@@ -4681,7 +4699,6 @@
               <a:rPr sz="1800"/>
               <a:t>Copyright © 2017 Royole Corporation. </a:t>
             </a:r>
-            <a:endParaRPr sz="1800"/>
           </a:p>
         </p:txBody>
       </p:sp>
@@ -4694,7 +4711,7 @@
           <p:nvPr/>
         </p:nvPicPr>
         <p:blipFill>
-          <a:blip r:embed="rId4">
+          <a:blip r:embed="rId5">
             <a:extLst>
               <a:ext uri="{28A0092B-C50C-407E-A947-70E740481C1C}">
                 <a14:useLocalDpi xmlns:a14="http://schemas.microsoft.com/office/drawing/2010/main" val="0"/>
@@ -4745,7 +4762,9 @@
         <p:txBody>
           <a:bodyPr lIns="45718" tIns="45718" rIns="45718" bIns="45718" anchor="ctr"/>
           <a:lstStyle/>
-          <a:p/>
+          <a:p>
+            <a:endParaRPr/>
+          </a:p>
         </p:txBody>
       </p:sp>
       <p:sp>
@@ -4773,7 +4792,9 @@
         <p:txBody>
           <a:bodyPr lIns="45718" tIns="45718" rIns="45718" bIns="45718"/>
           <a:lstStyle/>
-          <a:p/>
+          <a:p>
+            <a:endParaRPr/>
+          </a:p>
         </p:txBody>
       </p:sp>
       <p:sp>
@@ -4815,6 +4836,7 @@
           <a:p>
             <a:fld id="{86CB4B4D-7CA3-9044-876B-883B54F8677D}" type="slidenum">
               <a:rPr/>
+              <a:t>‹#›</a:t>
             </a:fld>
             <a:endParaRPr/>
           </a:p>
@@ -5758,7 +5780,6 @@
               <a:rPr dirty="0"/>
               <a:t>Royole Corporation</a:t>
             </a:r>
-            <a:endParaRPr dirty="0"/>
           </a:p>
           <a:p>
             <a:pPr marL="0" indent="0" algn="ctr" defTabSz="721995">
@@ -5781,7 +5802,6 @@
               <a:rPr dirty="0"/>
               <a:t>EMAIL</a:t>
             </a:r>
-            <a:endParaRPr dirty="0"/>
           </a:p>
           <a:p>
             <a:pPr marL="0" indent="0" algn="ctr" defTabSz="721995">
@@ -5984,7 +6004,7 @@
           <p:nvPr/>
         </p:nvPicPr>
         <p:blipFill>
-          <a:blip r:embed="rId1"/>
+          <a:blip r:embed="rId3"/>
           <a:stretch>
             <a:fillRect/>
           </a:stretch>
@@ -6069,20 +6089,6 @@
               </a:rPr>
               <a:t>发送0~N个数据，支持背压</a:t>
             </a:r>
-            <a:endParaRPr kumimoji="0" lang="zh-CN" altLang="en-US" sz="1800" b="0" i="0" u="none" strike="noStrike" cap="none" spc="0" normalizeH="0" baseline="0">
-              <a:ln>
-                <a:noFill/>
-              </a:ln>
-              <a:solidFill>
-                <a:srgbClr val="000000"/>
-              </a:solidFill>
-              <a:effectLst/>
-              <a:uFillTx/>
-              <a:latin typeface="+mn-lt"/>
-              <a:ea typeface="+mn-ea"/>
-              <a:cs typeface="+mn-cs"/>
-              <a:sym typeface="Helvetica"/>
-            </a:endParaRPr>
           </a:p>
         </p:txBody>
       </p:sp>
@@ -6095,7 +6101,7 @@
           <p:nvPr/>
         </p:nvPicPr>
         <p:blipFill>
-          <a:blip r:embed="rId2"/>
+          <a:blip r:embed="rId4"/>
           <a:stretch>
             <a:fillRect/>
           </a:stretch>
@@ -6119,7 +6125,7 @@
           <p:nvPr/>
         </p:nvPicPr>
         <p:blipFill>
-          <a:blip r:embed="rId3"/>
+          <a:blip r:embed="rId5"/>
           <a:stretch>
             <a:fillRect/>
           </a:stretch>
@@ -6143,7 +6149,7 @@
           <p:nvPr/>
         </p:nvPicPr>
         <p:blipFill>
-          <a:blip r:embed="rId4"/>
+          <a:blip r:embed="rId6"/>
           <a:stretch>
             <a:fillRect/>
           </a:stretch>
@@ -6228,20 +6234,6 @@
               </a:rPr>
               <a:t>发送1个数据或发送出错消息</a:t>
             </a:r>
-            <a:endParaRPr kumimoji="0" lang="zh-CN" altLang="en-US" sz="1800" b="0" i="0" u="none" strike="noStrike" cap="none" spc="0" normalizeH="0" baseline="0">
-              <a:ln>
-                <a:noFill/>
-              </a:ln>
-              <a:solidFill>
-                <a:srgbClr val="000000"/>
-              </a:solidFill>
-              <a:effectLst/>
-              <a:uFillTx/>
-              <a:latin typeface="+mn-lt"/>
-              <a:ea typeface="+mn-ea"/>
-              <a:cs typeface="+mn-cs"/>
-              <a:sym typeface="Helvetica"/>
-            </a:endParaRPr>
           </a:p>
         </p:txBody>
       </p:sp>
@@ -6315,20 +6307,6 @@
               </a:rPr>
               <a:t>发送0或1个数据，或发送出错消息</a:t>
             </a:r>
-            <a:endParaRPr kumimoji="0" lang="zh-CN" altLang="en-US" sz="1800" b="0" i="0" u="none" strike="noStrike" cap="none" spc="0" normalizeH="0" baseline="0">
-              <a:ln>
-                <a:noFill/>
-              </a:ln>
-              <a:solidFill>
-                <a:srgbClr val="000000"/>
-              </a:solidFill>
-              <a:effectLst/>
-              <a:uFillTx/>
-              <a:latin typeface="+mn-lt"/>
-              <a:ea typeface="+mn-ea"/>
-              <a:cs typeface="+mn-cs"/>
-              <a:sym typeface="Helvetica"/>
-            </a:endParaRPr>
           </a:p>
         </p:txBody>
       </p:sp>
@@ -6402,20 +6380,6 @@
               </a:rPr>
               <a:t>不发送数据，只发送完成消息或出错消息</a:t>
             </a:r>
-            <a:endParaRPr kumimoji="0" lang="zh-CN" altLang="en-US" sz="1800" b="0" i="0" u="none" strike="noStrike" cap="none" spc="0" normalizeH="0" baseline="0">
-              <a:ln>
-                <a:noFill/>
-              </a:ln>
-              <a:solidFill>
-                <a:srgbClr val="000000"/>
-              </a:solidFill>
-              <a:effectLst/>
-              <a:uFillTx/>
-              <a:latin typeface="+mn-lt"/>
-              <a:ea typeface="+mn-ea"/>
-              <a:cs typeface="+mn-cs"/>
-              <a:sym typeface="Helvetica"/>
-            </a:endParaRPr>
           </a:p>
         </p:txBody>
       </p:sp>
@@ -6523,7 +6487,7 @@
           <p:nvPr/>
         </p:nvPicPr>
         <p:blipFill>
-          <a:blip r:embed="rId1"/>
+          <a:blip r:embed="rId3"/>
           <a:stretch>
             <a:fillRect/>
           </a:stretch>
@@ -6674,7 +6638,6 @@
               <a:rPr lang="zh-CN" altLang="zh-CN" sz="2400" dirty="0"/>
               <a:t>之间的转换</a:t>
             </a:r>
-            <a:endParaRPr lang="zh-CN" altLang="zh-CN" sz="2400" dirty="0"/>
           </a:p>
         </p:txBody>
       </p:sp>
@@ -6861,7 +6824,7 @@
           <p:nvPr/>
         </p:nvPicPr>
         <p:blipFill>
-          <a:blip r:embed="rId1"/>
+          <a:blip r:embed="rId3"/>
           <a:stretch>
             <a:fillRect/>
           </a:stretch>
@@ -7047,20 +7010,6 @@
               </a:rPr>
               <a:t>发送0~N个数据，不支持背压 </a:t>
             </a:r>
-            <a:endParaRPr kumimoji="0" lang="zh-CN" altLang="en-US" sz="1800" b="0" i="0" u="none" strike="noStrike" cap="none" spc="0" normalizeH="0" baseline="0">
-              <a:ln>
-                <a:noFill/>
-              </a:ln>
-              <a:solidFill>
-                <a:srgbClr val="000000"/>
-              </a:solidFill>
-              <a:effectLst/>
-              <a:uFillTx/>
-              <a:latin typeface="+mn-lt"/>
-              <a:ea typeface="+mn-ea"/>
-              <a:cs typeface="+mn-cs"/>
-              <a:sym typeface="Helvetica"/>
-            </a:endParaRPr>
           </a:p>
         </p:txBody>
       </p:sp>
@@ -7256,39 +7205,25 @@
                 <a:cs typeface="+mn-cs"/>
                 <a:sym typeface="Helvetica"/>
               </a:rPr>
-              <a:t>Observable.just(1, 2, 3)</a:t>
-            </a:r>
-            <a:endParaRPr kumimoji="0" lang="zh-CN" altLang="en-US" sz="1400" b="0" i="0" u="none" strike="noStrike" cap="none" spc="0" normalizeH="0" baseline="0" dirty="0">
-              <a:ln>
-                <a:noFill/>
-              </a:ln>
-              <a:solidFill>
-                <a:srgbClr val="000000"/>
-              </a:solidFill>
-              <a:effectLst/>
-              <a:uFillTx/>
-              <a:latin typeface="+mn-lt"/>
-              <a:ea typeface="+mn-ea"/>
-              <a:cs typeface="+mn-cs"/>
-              <a:sym typeface="Helvetica"/>
-            </a:endParaRPr>
-          </a:p>
-          <a:p>
-            <a:pPr marL="0" marR="0" indent="0" algn="l" defTabSz="914400" rtl="0" fontAlgn="auto" latinLnBrk="0" hangingPunct="0">
-              <a:lnSpc>
-                <a:spcPct val="100000"/>
-              </a:lnSpc>
-              <a:spcBef>
-                <a:spcPts val="0"/>
-              </a:spcBef>
-              <a:spcAft>
-                <a:spcPts val="0"/>
-              </a:spcAft>
-              <a:buClrTx/>
-              <a:buSzTx/>
-              <a:buFontTx/>
-              <a:buNone/>
-            </a:pPr>
+              <a:t>Observable</a:t>
+            </a:r>
+            <a:r>
+              <a:rPr kumimoji="0" lang="zh-CN" altLang="en-US" sz="1400" b="0" i="0" u="none" strike="noStrike" cap="none" spc="0" normalizeH="0" baseline="0" dirty="0" smtClean="0">
+                <a:ln>
+                  <a:noFill/>
+                </a:ln>
+                <a:solidFill>
+                  <a:srgbClr val="000000"/>
+                </a:solidFill>
+                <a:effectLst/>
+                <a:uFillTx/>
+                <a:latin typeface="+mn-lt"/>
+                <a:ea typeface="+mn-ea"/>
+                <a:cs typeface="+mn-cs"/>
+                <a:sym typeface="Helvetica"/>
+              </a:rPr>
+              <a:t>.just(</a:t>
+            </a:r>
             <a:r>
               <a:rPr kumimoji="0" lang="zh-CN" altLang="en-US" sz="1400" b="0" i="0" u="none" strike="noStrike" cap="none" spc="0" normalizeH="0" baseline="0" dirty="0">
                 <a:ln>
@@ -7304,22 +7239,8 @@
                 <a:cs typeface="+mn-cs"/>
                 <a:sym typeface="Helvetica"/>
               </a:rPr>
-              <a:t>        .map(new Function&lt;Integer, String&gt;() {</a:t>
-            </a:r>
-            <a:endParaRPr kumimoji="0" lang="zh-CN" altLang="en-US" sz="1400" b="0" i="0" u="none" strike="noStrike" cap="none" spc="0" normalizeH="0" baseline="0" dirty="0">
-              <a:ln>
-                <a:noFill/>
-              </a:ln>
-              <a:solidFill>
-                <a:srgbClr val="000000"/>
-              </a:solidFill>
-              <a:effectLst/>
-              <a:uFillTx/>
-              <a:latin typeface="+mn-lt"/>
-              <a:ea typeface="+mn-ea"/>
-              <a:cs typeface="+mn-cs"/>
-              <a:sym typeface="Helvetica"/>
-            </a:endParaRPr>
+              <a:t>1, 2, 3)</a:t>
+            </a:r>
           </a:p>
           <a:p>
             <a:pPr marL="0" marR="0" indent="0" algn="l" defTabSz="914400" rtl="0" fontAlgn="auto" latinLnBrk="0" hangingPunct="0">
@@ -7352,22 +7273,8 @@
                 <a:cs typeface="+mn-cs"/>
                 <a:sym typeface="Helvetica"/>
               </a:rPr>
-              <a:t>            @Override</a:t>
-            </a:r>
-            <a:endParaRPr kumimoji="0" lang="zh-CN" altLang="en-US" sz="1400" b="0" i="0" u="none" strike="noStrike" cap="none" spc="0" normalizeH="0" baseline="0" dirty="0">
-              <a:ln>
-                <a:noFill/>
-              </a:ln>
-              <a:solidFill>
-                <a:srgbClr val="000000"/>
-              </a:solidFill>
-              <a:effectLst/>
-              <a:uFillTx/>
-              <a:latin typeface="+mn-lt"/>
-              <a:ea typeface="+mn-ea"/>
-              <a:cs typeface="+mn-cs"/>
-              <a:sym typeface="Helvetica"/>
-            </a:endParaRPr>
+              <a:t>        .map(new Function&lt;Integer, String&gt;() {</a:t>
+            </a:r>
           </a:p>
           <a:p>
             <a:pPr marL="0" marR="0" indent="0" algn="l" defTabSz="914400" rtl="0" fontAlgn="auto" latinLnBrk="0" hangingPunct="0">
@@ -7400,22 +7307,8 @@
                 <a:cs typeface="+mn-cs"/>
                 <a:sym typeface="Helvetica"/>
               </a:rPr>
-              <a:t>            public String apply(Integer integer) throws Exception {</a:t>
-            </a:r>
-            <a:endParaRPr kumimoji="0" lang="zh-CN" altLang="en-US" sz="1400" b="0" i="0" u="none" strike="noStrike" cap="none" spc="0" normalizeH="0" baseline="0" dirty="0">
-              <a:ln>
-                <a:noFill/>
-              </a:ln>
-              <a:solidFill>
-                <a:srgbClr val="000000"/>
-              </a:solidFill>
-              <a:effectLst/>
-              <a:uFillTx/>
-              <a:latin typeface="+mn-lt"/>
-              <a:ea typeface="+mn-ea"/>
-              <a:cs typeface="+mn-cs"/>
-              <a:sym typeface="Helvetica"/>
-            </a:endParaRPr>
+              <a:t>            @Override</a:t>
+            </a:r>
           </a:p>
           <a:p>
             <a:pPr marL="0" marR="0" indent="0" algn="l" defTabSz="914400" rtl="0" fontAlgn="auto" latinLnBrk="0" hangingPunct="0">
@@ -7448,22 +7341,8 @@
                 <a:cs typeface="+mn-cs"/>
                 <a:sym typeface="Helvetica"/>
               </a:rPr>
-              <a:t>                return "string:" + integer;</a:t>
-            </a:r>
-            <a:endParaRPr kumimoji="0" lang="zh-CN" altLang="en-US" sz="1400" b="0" i="0" u="none" strike="noStrike" cap="none" spc="0" normalizeH="0" baseline="0" dirty="0">
-              <a:ln>
-                <a:noFill/>
-              </a:ln>
-              <a:solidFill>
-                <a:srgbClr val="000000"/>
-              </a:solidFill>
-              <a:effectLst/>
-              <a:uFillTx/>
-              <a:latin typeface="+mn-lt"/>
-              <a:ea typeface="+mn-ea"/>
-              <a:cs typeface="+mn-cs"/>
-              <a:sym typeface="Helvetica"/>
-            </a:endParaRPr>
+              <a:t>            public String apply(Integer integer) throws Exception {</a:t>
+            </a:r>
           </a:p>
           <a:p>
             <a:pPr marL="0" marR="0" indent="0" algn="l" defTabSz="914400" rtl="0" fontAlgn="auto" latinLnBrk="0" hangingPunct="0">
@@ -7496,22 +7375,8 @@
                 <a:cs typeface="+mn-cs"/>
                 <a:sym typeface="Helvetica"/>
               </a:rPr>
-              <a:t>            }</a:t>
-            </a:r>
-            <a:endParaRPr kumimoji="0" lang="zh-CN" altLang="en-US" sz="1400" b="0" i="0" u="none" strike="noStrike" cap="none" spc="0" normalizeH="0" baseline="0" dirty="0">
-              <a:ln>
-                <a:noFill/>
-              </a:ln>
-              <a:solidFill>
-                <a:srgbClr val="000000"/>
-              </a:solidFill>
-              <a:effectLst/>
-              <a:uFillTx/>
-              <a:latin typeface="+mn-lt"/>
-              <a:ea typeface="+mn-ea"/>
-              <a:cs typeface="+mn-cs"/>
-              <a:sym typeface="Helvetica"/>
-            </a:endParaRPr>
+              <a:t>                return "string:" + integer;</a:t>
+            </a:r>
           </a:p>
           <a:p>
             <a:pPr marL="0" marR="0" indent="0" algn="l" defTabSz="914400" rtl="0" fontAlgn="auto" latinLnBrk="0" hangingPunct="0">
@@ -7544,22 +7409,8 @@
                 <a:cs typeface="+mn-cs"/>
                 <a:sym typeface="Helvetica"/>
               </a:rPr>
-              <a:t>        })</a:t>
-            </a:r>
-            <a:endParaRPr kumimoji="0" lang="zh-CN" altLang="en-US" sz="1400" b="0" i="0" u="none" strike="noStrike" cap="none" spc="0" normalizeH="0" baseline="0" dirty="0">
-              <a:ln>
-                <a:noFill/>
-              </a:ln>
-              <a:solidFill>
-                <a:srgbClr val="000000"/>
-              </a:solidFill>
-              <a:effectLst/>
-              <a:uFillTx/>
-              <a:latin typeface="+mn-lt"/>
-              <a:ea typeface="+mn-ea"/>
-              <a:cs typeface="+mn-cs"/>
-              <a:sym typeface="Helvetica"/>
-            </a:endParaRPr>
+              <a:t>            }</a:t>
+            </a:r>
           </a:p>
           <a:p>
             <a:pPr marL="0" marR="0" indent="0" algn="l" defTabSz="914400" rtl="0" fontAlgn="auto" latinLnBrk="0" hangingPunct="0">
@@ -7592,22 +7443,8 @@
                 <a:cs typeface="+mn-cs"/>
                 <a:sym typeface="Helvetica"/>
               </a:rPr>
-              <a:t>        .subscribe(new Observer&lt;String&gt;() {</a:t>
-            </a:r>
-            <a:endParaRPr kumimoji="0" lang="zh-CN" altLang="en-US" sz="1400" b="0" i="0" u="none" strike="noStrike" cap="none" spc="0" normalizeH="0" baseline="0" dirty="0">
-              <a:ln>
-                <a:noFill/>
-              </a:ln>
-              <a:solidFill>
-                <a:srgbClr val="000000"/>
-              </a:solidFill>
-              <a:effectLst/>
-              <a:uFillTx/>
-              <a:latin typeface="+mn-lt"/>
-              <a:ea typeface="+mn-ea"/>
-              <a:cs typeface="+mn-cs"/>
-              <a:sym typeface="Helvetica"/>
-            </a:endParaRPr>
+              <a:t>        })</a:t>
+            </a:r>
           </a:p>
           <a:p>
             <a:pPr marL="0" marR="0" indent="0" algn="l" defTabSz="914400" rtl="0" fontAlgn="auto" latinLnBrk="0" hangingPunct="0">
@@ -7640,22 +7477,8 @@
                 <a:cs typeface="+mn-cs"/>
                 <a:sym typeface="Helvetica"/>
               </a:rPr>
-              <a:t>            @Override</a:t>
-            </a:r>
-            <a:endParaRPr kumimoji="0" lang="zh-CN" altLang="en-US" sz="1400" b="0" i="0" u="none" strike="noStrike" cap="none" spc="0" normalizeH="0" baseline="0" dirty="0">
-              <a:ln>
-                <a:noFill/>
-              </a:ln>
-              <a:solidFill>
-                <a:srgbClr val="000000"/>
-              </a:solidFill>
-              <a:effectLst/>
-              <a:uFillTx/>
-              <a:latin typeface="+mn-lt"/>
-              <a:ea typeface="+mn-ea"/>
-              <a:cs typeface="+mn-cs"/>
-              <a:sym typeface="Helvetica"/>
-            </a:endParaRPr>
+              <a:t>        .subscribe(new Observer&lt;String&gt;() {</a:t>
+            </a:r>
           </a:p>
           <a:p>
             <a:pPr marL="0" marR="0" indent="0" algn="l" defTabSz="914400" rtl="0" fontAlgn="auto" latinLnBrk="0" hangingPunct="0">
@@ -7688,22 +7511,8 @@
                 <a:cs typeface="+mn-cs"/>
                 <a:sym typeface="Helvetica"/>
               </a:rPr>
-              <a:t>            public void onSubscribe(Disposable disposable) {</a:t>
-            </a:r>
-            <a:endParaRPr kumimoji="0" lang="zh-CN" altLang="en-US" sz="1400" b="0" i="0" u="none" strike="noStrike" cap="none" spc="0" normalizeH="0" baseline="0" dirty="0">
-              <a:ln>
-                <a:noFill/>
-              </a:ln>
-              <a:solidFill>
-                <a:srgbClr val="000000"/>
-              </a:solidFill>
-              <a:effectLst/>
-              <a:uFillTx/>
-              <a:latin typeface="+mn-lt"/>
-              <a:ea typeface="+mn-ea"/>
-              <a:cs typeface="+mn-cs"/>
-              <a:sym typeface="Helvetica"/>
-            </a:endParaRPr>
+              <a:t>            @Override</a:t>
+            </a:r>
           </a:p>
           <a:p>
             <a:pPr marL="0" marR="0" indent="0" algn="l" defTabSz="914400" rtl="0" fontAlgn="auto" latinLnBrk="0" hangingPunct="0">
@@ -7736,22 +7545,8 @@
                 <a:cs typeface="+mn-cs"/>
                 <a:sym typeface="Helvetica"/>
               </a:rPr>
-              <a:t>                Log.i(TAG, "onSubscribe: ");</a:t>
-            </a:r>
-            <a:endParaRPr kumimoji="0" lang="zh-CN" altLang="en-US" sz="1400" b="0" i="0" u="none" strike="noStrike" cap="none" spc="0" normalizeH="0" baseline="0" dirty="0">
-              <a:ln>
-                <a:noFill/>
-              </a:ln>
-              <a:solidFill>
-                <a:srgbClr val="000000"/>
-              </a:solidFill>
-              <a:effectLst/>
-              <a:uFillTx/>
-              <a:latin typeface="+mn-lt"/>
-              <a:ea typeface="+mn-ea"/>
-              <a:cs typeface="+mn-cs"/>
-              <a:sym typeface="Helvetica"/>
-            </a:endParaRPr>
+              <a:t>            public void onSubscribe(Disposable disposable) {</a:t>
+            </a:r>
           </a:p>
           <a:p>
             <a:pPr marL="0" marR="0" indent="0" algn="l" defTabSz="914400" rtl="0" fontAlgn="auto" latinLnBrk="0" hangingPunct="0">
@@ -7784,22 +7579,8 @@
                 <a:cs typeface="+mn-cs"/>
                 <a:sym typeface="Helvetica"/>
               </a:rPr>
-              <a:t>            }</a:t>
-            </a:r>
-            <a:endParaRPr kumimoji="0" lang="zh-CN" altLang="en-US" sz="1400" b="0" i="0" u="none" strike="noStrike" cap="none" spc="0" normalizeH="0" baseline="0" dirty="0">
-              <a:ln>
-                <a:noFill/>
-              </a:ln>
-              <a:solidFill>
-                <a:srgbClr val="000000"/>
-              </a:solidFill>
-              <a:effectLst/>
-              <a:uFillTx/>
-              <a:latin typeface="+mn-lt"/>
-              <a:ea typeface="+mn-ea"/>
-              <a:cs typeface="+mn-cs"/>
-              <a:sym typeface="Helvetica"/>
-            </a:endParaRPr>
+              <a:t>                Log.i(TAG, "onSubscribe: ");</a:t>
+            </a:r>
           </a:p>
           <a:p>
             <a:pPr marL="0" marR="0" indent="0" algn="l" defTabSz="914400" rtl="0" fontAlgn="auto" latinLnBrk="0" hangingPunct="0">
@@ -7832,22 +7613,8 @@
                 <a:cs typeface="+mn-cs"/>
                 <a:sym typeface="Helvetica"/>
               </a:rPr>
-              <a:t>            @Override</a:t>
-            </a:r>
-            <a:endParaRPr kumimoji="0" lang="zh-CN" altLang="en-US" sz="1400" b="0" i="0" u="none" strike="noStrike" cap="none" spc="0" normalizeH="0" baseline="0" dirty="0">
-              <a:ln>
-                <a:noFill/>
-              </a:ln>
-              <a:solidFill>
-                <a:srgbClr val="000000"/>
-              </a:solidFill>
-              <a:effectLst/>
-              <a:uFillTx/>
-              <a:latin typeface="+mn-lt"/>
-              <a:ea typeface="+mn-ea"/>
-              <a:cs typeface="+mn-cs"/>
-              <a:sym typeface="Helvetica"/>
-            </a:endParaRPr>
+              <a:t>            }</a:t>
+            </a:r>
           </a:p>
           <a:p>
             <a:pPr marL="0" marR="0" indent="0" algn="l" defTabSz="914400" rtl="0" fontAlgn="auto" latinLnBrk="0" hangingPunct="0">
@@ -7880,22 +7647,8 @@
                 <a:cs typeface="+mn-cs"/>
                 <a:sym typeface="Helvetica"/>
               </a:rPr>
-              <a:t>            public void onNext(String s) {</a:t>
-            </a:r>
-            <a:endParaRPr kumimoji="0" lang="zh-CN" altLang="en-US" sz="1400" b="0" i="0" u="none" strike="noStrike" cap="none" spc="0" normalizeH="0" baseline="0" dirty="0">
-              <a:ln>
-                <a:noFill/>
-              </a:ln>
-              <a:solidFill>
-                <a:srgbClr val="000000"/>
-              </a:solidFill>
-              <a:effectLst/>
-              <a:uFillTx/>
-              <a:latin typeface="+mn-lt"/>
-              <a:ea typeface="+mn-ea"/>
-              <a:cs typeface="+mn-cs"/>
-              <a:sym typeface="Helvetica"/>
-            </a:endParaRPr>
+              <a:t>            @Override</a:t>
+            </a:r>
           </a:p>
           <a:p>
             <a:pPr marL="0" marR="0" indent="0" algn="l" defTabSz="914400" rtl="0" fontAlgn="auto" latinLnBrk="0" hangingPunct="0">
@@ -7928,22 +7681,8 @@
                 <a:cs typeface="+mn-cs"/>
                 <a:sym typeface="Helvetica"/>
               </a:rPr>
-              <a:t>                Log.i(TAG, "onNext: " + s);</a:t>
-            </a:r>
-            <a:endParaRPr kumimoji="0" lang="zh-CN" altLang="en-US" sz="1400" b="0" i="0" u="none" strike="noStrike" cap="none" spc="0" normalizeH="0" baseline="0" dirty="0">
-              <a:ln>
-                <a:noFill/>
-              </a:ln>
-              <a:solidFill>
-                <a:srgbClr val="000000"/>
-              </a:solidFill>
-              <a:effectLst/>
-              <a:uFillTx/>
-              <a:latin typeface="+mn-lt"/>
-              <a:ea typeface="+mn-ea"/>
-              <a:cs typeface="+mn-cs"/>
-              <a:sym typeface="Helvetica"/>
-            </a:endParaRPr>
+              <a:t>            public void onNext(String s) {</a:t>
+            </a:r>
           </a:p>
           <a:p>
             <a:pPr marL="0" marR="0" indent="0" algn="l" defTabSz="914400" rtl="0" fontAlgn="auto" latinLnBrk="0" hangingPunct="0">
@@ -7976,22 +7715,8 @@
                 <a:cs typeface="+mn-cs"/>
                 <a:sym typeface="Helvetica"/>
               </a:rPr>
-              <a:t>            }</a:t>
-            </a:r>
-            <a:endParaRPr kumimoji="0" lang="zh-CN" altLang="en-US" sz="1400" b="0" i="0" u="none" strike="noStrike" cap="none" spc="0" normalizeH="0" baseline="0" dirty="0">
-              <a:ln>
-                <a:noFill/>
-              </a:ln>
-              <a:solidFill>
-                <a:srgbClr val="000000"/>
-              </a:solidFill>
-              <a:effectLst/>
-              <a:uFillTx/>
-              <a:latin typeface="+mn-lt"/>
-              <a:ea typeface="+mn-ea"/>
-              <a:cs typeface="+mn-cs"/>
-              <a:sym typeface="Helvetica"/>
-            </a:endParaRPr>
+              <a:t>                Log.i(TAG, "onNext: " + s);</a:t>
+            </a:r>
           </a:p>
           <a:p>
             <a:pPr marL="0" marR="0" indent="0" algn="l" defTabSz="914400" rtl="0" fontAlgn="auto" latinLnBrk="0" hangingPunct="0">
@@ -8024,22 +7749,8 @@
                 <a:cs typeface="+mn-cs"/>
                 <a:sym typeface="Helvetica"/>
               </a:rPr>
-              <a:t>            @Override</a:t>
-            </a:r>
-            <a:endParaRPr kumimoji="0" lang="zh-CN" altLang="en-US" sz="1400" b="0" i="0" u="none" strike="noStrike" cap="none" spc="0" normalizeH="0" baseline="0" dirty="0">
-              <a:ln>
-                <a:noFill/>
-              </a:ln>
-              <a:solidFill>
-                <a:srgbClr val="000000"/>
-              </a:solidFill>
-              <a:effectLst/>
-              <a:uFillTx/>
-              <a:latin typeface="+mn-lt"/>
-              <a:ea typeface="+mn-ea"/>
-              <a:cs typeface="+mn-cs"/>
-              <a:sym typeface="Helvetica"/>
-            </a:endParaRPr>
+              <a:t>            }</a:t>
+            </a:r>
           </a:p>
           <a:p>
             <a:pPr marL="0" marR="0" indent="0" algn="l" defTabSz="914400" rtl="0" fontAlgn="auto" latinLnBrk="0" hangingPunct="0">
@@ -8072,22 +7783,8 @@
                 <a:cs typeface="+mn-cs"/>
                 <a:sym typeface="Helvetica"/>
               </a:rPr>
-              <a:t>            public void onError(Throwable throwable) {</a:t>
-            </a:r>
-            <a:endParaRPr kumimoji="0" lang="zh-CN" altLang="en-US" sz="1400" b="0" i="0" u="none" strike="noStrike" cap="none" spc="0" normalizeH="0" baseline="0" dirty="0">
-              <a:ln>
-                <a:noFill/>
-              </a:ln>
-              <a:solidFill>
-                <a:srgbClr val="000000"/>
-              </a:solidFill>
-              <a:effectLst/>
-              <a:uFillTx/>
-              <a:latin typeface="+mn-lt"/>
-              <a:ea typeface="+mn-ea"/>
-              <a:cs typeface="+mn-cs"/>
-              <a:sym typeface="Helvetica"/>
-            </a:endParaRPr>
+              <a:t>            @Override</a:t>
+            </a:r>
           </a:p>
           <a:p>
             <a:pPr marL="0" marR="0" indent="0" algn="l" defTabSz="914400" rtl="0" fontAlgn="auto" latinLnBrk="0" hangingPunct="0">
@@ -8120,22 +7817,8 @@
                 <a:cs typeface="+mn-cs"/>
                 <a:sym typeface="Helvetica"/>
               </a:rPr>
-              <a:t>                Log.i(TAG, "onError: ");</a:t>
-            </a:r>
-            <a:endParaRPr kumimoji="0" lang="zh-CN" altLang="en-US" sz="1400" b="0" i="0" u="none" strike="noStrike" cap="none" spc="0" normalizeH="0" baseline="0" dirty="0">
-              <a:ln>
-                <a:noFill/>
-              </a:ln>
-              <a:solidFill>
-                <a:srgbClr val="000000"/>
-              </a:solidFill>
-              <a:effectLst/>
-              <a:uFillTx/>
-              <a:latin typeface="+mn-lt"/>
-              <a:ea typeface="+mn-ea"/>
-              <a:cs typeface="+mn-cs"/>
-              <a:sym typeface="Helvetica"/>
-            </a:endParaRPr>
+              <a:t>            public void onError(Throwable throwable) {</a:t>
+            </a:r>
           </a:p>
           <a:p>
             <a:pPr marL="0" marR="0" indent="0" algn="l" defTabSz="914400" rtl="0" fontAlgn="auto" latinLnBrk="0" hangingPunct="0">
@@ -8168,22 +7851,8 @@
                 <a:cs typeface="+mn-cs"/>
                 <a:sym typeface="Helvetica"/>
               </a:rPr>
-              <a:t>            }</a:t>
-            </a:r>
-            <a:endParaRPr kumimoji="0" lang="zh-CN" altLang="en-US" sz="1400" b="0" i="0" u="none" strike="noStrike" cap="none" spc="0" normalizeH="0" baseline="0" dirty="0">
-              <a:ln>
-                <a:noFill/>
-              </a:ln>
-              <a:solidFill>
-                <a:srgbClr val="000000"/>
-              </a:solidFill>
-              <a:effectLst/>
-              <a:uFillTx/>
-              <a:latin typeface="+mn-lt"/>
-              <a:ea typeface="+mn-ea"/>
-              <a:cs typeface="+mn-cs"/>
-              <a:sym typeface="Helvetica"/>
-            </a:endParaRPr>
+              <a:t>                Log.i(TAG, "onError: ");</a:t>
+            </a:r>
           </a:p>
           <a:p>
             <a:pPr marL="0" marR="0" indent="0" algn="l" defTabSz="914400" rtl="0" fontAlgn="auto" latinLnBrk="0" hangingPunct="0">
@@ -8216,22 +7885,8 @@
                 <a:cs typeface="+mn-cs"/>
                 <a:sym typeface="Helvetica"/>
               </a:rPr>
-              <a:t>            @Override</a:t>
-            </a:r>
-            <a:endParaRPr kumimoji="0" lang="zh-CN" altLang="en-US" sz="1400" b="0" i="0" u="none" strike="noStrike" cap="none" spc="0" normalizeH="0" baseline="0" dirty="0">
-              <a:ln>
-                <a:noFill/>
-              </a:ln>
-              <a:solidFill>
-                <a:srgbClr val="000000"/>
-              </a:solidFill>
-              <a:effectLst/>
-              <a:uFillTx/>
-              <a:latin typeface="+mn-lt"/>
-              <a:ea typeface="+mn-ea"/>
-              <a:cs typeface="+mn-cs"/>
-              <a:sym typeface="Helvetica"/>
-            </a:endParaRPr>
+              <a:t>            }</a:t>
+            </a:r>
           </a:p>
           <a:p>
             <a:pPr marL="0" marR="0" indent="0" algn="l" defTabSz="914400" rtl="0" fontAlgn="auto" latinLnBrk="0" hangingPunct="0">
@@ -8264,22 +7919,8 @@
                 <a:cs typeface="+mn-cs"/>
                 <a:sym typeface="Helvetica"/>
               </a:rPr>
-              <a:t>            public void onComplete() {</a:t>
-            </a:r>
-            <a:endParaRPr kumimoji="0" lang="zh-CN" altLang="en-US" sz="1400" b="0" i="0" u="none" strike="noStrike" cap="none" spc="0" normalizeH="0" baseline="0" dirty="0">
-              <a:ln>
-                <a:noFill/>
-              </a:ln>
-              <a:solidFill>
-                <a:srgbClr val="000000"/>
-              </a:solidFill>
-              <a:effectLst/>
-              <a:uFillTx/>
-              <a:latin typeface="+mn-lt"/>
-              <a:ea typeface="+mn-ea"/>
-              <a:cs typeface="+mn-cs"/>
-              <a:sym typeface="Helvetica"/>
-            </a:endParaRPr>
+              <a:t>            @Override</a:t>
+            </a:r>
           </a:p>
           <a:p>
             <a:pPr marL="0" marR="0" indent="0" algn="l" defTabSz="914400" rtl="0" fontAlgn="auto" latinLnBrk="0" hangingPunct="0">
@@ -8312,22 +7953,8 @@
                 <a:cs typeface="+mn-cs"/>
                 <a:sym typeface="Helvetica"/>
               </a:rPr>
-              <a:t>                Log.i(TAG, "onComplete: ");</a:t>
-            </a:r>
-            <a:endParaRPr kumimoji="0" lang="zh-CN" altLang="en-US" sz="1400" b="0" i="0" u="none" strike="noStrike" cap="none" spc="0" normalizeH="0" baseline="0" dirty="0">
-              <a:ln>
-                <a:noFill/>
-              </a:ln>
-              <a:solidFill>
-                <a:srgbClr val="000000"/>
-              </a:solidFill>
-              <a:effectLst/>
-              <a:uFillTx/>
-              <a:latin typeface="+mn-lt"/>
-              <a:ea typeface="+mn-ea"/>
-              <a:cs typeface="+mn-cs"/>
-              <a:sym typeface="Helvetica"/>
-            </a:endParaRPr>
+              <a:t>            public void onComplete() {</a:t>
+            </a:r>
           </a:p>
           <a:p>
             <a:pPr marL="0" marR="0" indent="0" algn="l" defTabSz="914400" rtl="0" fontAlgn="auto" latinLnBrk="0" hangingPunct="0">
@@ -8360,22 +7987,8 @@
                 <a:cs typeface="+mn-cs"/>
                 <a:sym typeface="Helvetica"/>
               </a:rPr>
-              <a:t>            }</a:t>
-            </a:r>
-            <a:endParaRPr kumimoji="0" lang="zh-CN" altLang="en-US" sz="1400" b="0" i="0" u="none" strike="noStrike" cap="none" spc="0" normalizeH="0" baseline="0" dirty="0">
-              <a:ln>
-                <a:noFill/>
-              </a:ln>
-              <a:solidFill>
-                <a:srgbClr val="000000"/>
-              </a:solidFill>
-              <a:effectLst/>
-              <a:uFillTx/>
-              <a:latin typeface="+mn-lt"/>
-              <a:ea typeface="+mn-ea"/>
-              <a:cs typeface="+mn-cs"/>
-              <a:sym typeface="Helvetica"/>
-            </a:endParaRPr>
+              <a:t>                Log.i(TAG, "onComplete: ");</a:t>
+            </a:r>
           </a:p>
           <a:p>
             <a:pPr marL="0" marR="0" indent="0" algn="l" defTabSz="914400" rtl="0" fontAlgn="auto" latinLnBrk="0" hangingPunct="0">
@@ -8408,22 +8021,42 @@
                 <a:cs typeface="+mn-cs"/>
                 <a:sym typeface="Helvetica"/>
               </a:rPr>
+              <a:t>            }</a:t>
+            </a:r>
+          </a:p>
+          <a:p>
+            <a:pPr marL="0" marR="0" indent="0" algn="l" defTabSz="914400" rtl="0" fontAlgn="auto" latinLnBrk="0" hangingPunct="0">
+              <a:lnSpc>
+                <a:spcPct val="100000"/>
+              </a:lnSpc>
+              <a:spcBef>
+                <a:spcPts val="0"/>
+              </a:spcBef>
+              <a:spcAft>
+                <a:spcPts val="0"/>
+              </a:spcAft>
+              <a:buClrTx/>
+              <a:buSzTx/>
+              <a:buFontTx/>
+              <a:buNone/>
+            </a:pPr>
+            <a:r>
+              <a:rPr kumimoji="0" lang="zh-CN" altLang="en-US" sz="1400" b="0" i="0" u="none" strike="noStrike" cap="none" spc="0" normalizeH="0" baseline="0" dirty="0">
+                <a:ln>
+                  <a:noFill/>
+                </a:ln>
+                <a:solidFill>
+                  <a:srgbClr val="000000"/>
+                </a:solidFill>
+                <a:effectLst/>
+                <a:uFillTx/>
+                <a:latin typeface="+mn-lt"/>
+                <a:ea typeface="+mn-ea"/>
+                <a:cs typeface="+mn-cs"/>
+                <a:sym typeface="Helvetica"/>
+              </a:rPr>
               <a:t>        });</a:t>
             </a:r>
-            <a:endParaRPr kumimoji="0" lang="zh-CN" altLang="en-US" sz="1400" b="0" i="0" u="none" strike="noStrike" cap="none" spc="0" normalizeH="0" baseline="0" dirty="0">
-              <a:ln>
-                <a:noFill/>
-              </a:ln>
-              <a:solidFill>
-                <a:srgbClr val="000000"/>
-              </a:solidFill>
-              <a:effectLst/>
-              <a:uFillTx/>
-              <a:latin typeface="+mn-lt"/>
-              <a:ea typeface="+mn-ea"/>
-              <a:cs typeface="+mn-cs"/>
-              <a:sym typeface="Helvetica"/>
-            </a:endParaRPr>
           </a:p>
         </p:txBody>
       </p:sp>
@@ -8497,20 +8130,6 @@
               </a:rPr>
               <a:t>I/RxJavaActivity: onSubscribe: </a:t>
             </a:r>
-            <a:endParaRPr kumimoji="0" lang="zh-CN" altLang="en-US" sz="1800" b="0" i="0" u="none" strike="noStrike" cap="none" spc="0" normalizeH="0" baseline="0" dirty="0">
-              <a:ln>
-                <a:noFill/>
-              </a:ln>
-              <a:solidFill>
-                <a:srgbClr val="000000"/>
-              </a:solidFill>
-              <a:effectLst/>
-              <a:uFillTx/>
-              <a:latin typeface="+mn-lt"/>
-              <a:ea typeface="+mn-ea"/>
-              <a:cs typeface="+mn-cs"/>
-              <a:sym typeface="Helvetica"/>
-            </a:endParaRPr>
           </a:p>
           <a:p>
             <a:pPr marL="0" marR="0" indent="0" algn="l" defTabSz="914400" rtl="0" fontAlgn="auto" latinLnBrk="0" hangingPunct="0">
@@ -8545,20 +8164,6 @@
               </a:rPr>
               <a:t>I/RxJavaActivity: onNext: string:1 </a:t>
             </a:r>
-            <a:endParaRPr kumimoji="0" lang="zh-CN" altLang="en-US" sz="1800" b="0" i="0" u="none" strike="noStrike" cap="none" spc="0" normalizeH="0" baseline="0" dirty="0">
-              <a:ln>
-                <a:noFill/>
-              </a:ln>
-              <a:solidFill>
-                <a:srgbClr val="000000"/>
-              </a:solidFill>
-              <a:effectLst/>
-              <a:uFillTx/>
-              <a:latin typeface="+mn-lt"/>
-              <a:ea typeface="+mn-ea"/>
-              <a:cs typeface="+mn-cs"/>
-              <a:sym typeface="Helvetica"/>
-            </a:endParaRPr>
           </a:p>
           <a:p>
             <a:pPr marL="0" marR="0" indent="0" algn="l" defTabSz="914400" rtl="0" fontAlgn="auto" latinLnBrk="0" hangingPunct="0">
@@ -8593,20 +8198,6 @@
               </a:rPr>
               <a:t>I/RxJavaActivity: onNext: string:2 </a:t>
             </a:r>
-            <a:endParaRPr kumimoji="0" lang="zh-CN" altLang="en-US" sz="1800" b="0" i="0" u="none" strike="noStrike" cap="none" spc="0" normalizeH="0" baseline="0" dirty="0">
-              <a:ln>
-                <a:noFill/>
-              </a:ln>
-              <a:solidFill>
-                <a:srgbClr val="000000"/>
-              </a:solidFill>
-              <a:effectLst/>
-              <a:uFillTx/>
-              <a:latin typeface="+mn-lt"/>
-              <a:ea typeface="+mn-ea"/>
-              <a:cs typeface="+mn-cs"/>
-              <a:sym typeface="Helvetica"/>
-            </a:endParaRPr>
           </a:p>
           <a:p>
             <a:pPr marL="0" marR="0" indent="0" algn="l" defTabSz="914400" rtl="0" fontAlgn="auto" latinLnBrk="0" hangingPunct="0">
@@ -8641,20 +8232,6 @@
               </a:rPr>
               <a:t>I/RxJavaActivity: onNext: string:3 </a:t>
             </a:r>
-            <a:endParaRPr kumimoji="0" lang="zh-CN" altLang="en-US" sz="1800" b="0" i="0" u="none" strike="noStrike" cap="none" spc="0" normalizeH="0" baseline="0" dirty="0">
-              <a:ln>
-                <a:noFill/>
-              </a:ln>
-              <a:solidFill>
-                <a:srgbClr val="000000"/>
-              </a:solidFill>
-              <a:effectLst/>
-              <a:uFillTx/>
-              <a:latin typeface="+mn-lt"/>
-              <a:ea typeface="+mn-ea"/>
-              <a:cs typeface="+mn-cs"/>
-              <a:sym typeface="Helvetica"/>
-            </a:endParaRPr>
           </a:p>
           <a:p>
             <a:pPr marL="0" marR="0" indent="0" algn="l" defTabSz="914400" rtl="0" fontAlgn="auto" latinLnBrk="0" hangingPunct="0">
@@ -8689,20 +8266,6 @@
               </a:rPr>
               <a:t>I/RxJavaActivity: onComplete: </a:t>
             </a:r>
-            <a:endParaRPr kumimoji="0" lang="zh-CN" altLang="en-US" sz="1800" b="0" i="0" u="none" strike="noStrike" cap="none" spc="0" normalizeH="0" baseline="0" dirty="0">
-              <a:ln>
-                <a:noFill/>
-              </a:ln>
-              <a:solidFill>
-                <a:srgbClr val="000000"/>
-              </a:solidFill>
-              <a:effectLst/>
-              <a:uFillTx/>
-              <a:latin typeface="+mn-lt"/>
-              <a:ea typeface="+mn-ea"/>
-              <a:cs typeface="+mn-cs"/>
-              <a:sym typeface="Helvetica"/>
-            </a:endParaRPr>
           </a:p>
         </p:txBody>
       </p:sp>
@@ -8748,7 +8311,7 @@
           <p:nvPr/>
         </p:nvPicPr>
         <p:blipFill>
-          <a:blip r:embed="rId1"/>
+          <a:blip r:embed="rId3"/>
           <a:stretch>
             <a:fillRect/>
           </a:stretch>
@@ -9153,20 +8716,6 @@
               </a:rPr>
               <a:t>：</a:t>
             </a:r>
-            <a:endParaRPr kumimoji="0" lang="zh-CN" altLang="en-US" sz="1800" b="0" i="0" u="none" strike="noStrike" cap="none" spc="0" normalizeH="0" baseline="0" dirty="0">
-              <a:ln>
-                <a:noFill/>
-              </a:ln>
-              <a:solidFill>
-                <a:srgbClr val="000000"/>
-              </a:solidFill>
-              <a:effectLst/>
-              <a:uFillTx/>
-              <a:latin typeface="+mn-lt"/>
-              <a:ea typeface="宋体" panose="02010600030101010101" pitchFamily="2" charset="-122"/>
-              <a:cs typeface="+mn-cs"/>
-              <a:sym typeface="Helvetica"/>
-            </a:endParaRPr>
           </a:p>
         </p:txBody>
       </p:sp>
@@ -9230,10 +8779,6 @@
               </a:rPr>
               <a:t>数据流的源头</a:t>
             </a:r>
-            <a:endParaRPr lang="zh-CN" altLang="en-US" dirty="0">
-              <a:ea typeface="宋体" panose="02010600030101010101" pitchFamily="2" charset="-122"/>
-              <a:sym typeface="Helvetica"/>
-            </a:endParaRPr>
           </a:p>
           <a:p>
             <a:pPr marL="285750" marR="0" indent="-285750" algn="l" defTabSz="914400" rtl="0" fontAlgn="auto" latinLnBrk="0" hangingPunct="0">
@@ -9314,10 +8859,6 @@
               </a:rPr>
               <a:t>部类</a:t>
             </a:r>
-            <a:endParaRPr lang="zh-CN" altLang="en-US" dirty="0" smtClean="0">
-              <a:ea typeface="宋体" panose="02010600030101010101" pitchFamily="2" charset="-122"/>
-              <a:sym typeface="Helvetica"/>
-            </a:endParaRPr>
           </a:p>
           <a:p>
             <a:pPr marL="285750" marR="0" indent="-285750" algn="l" defTabSz="914400" rtl="0" fontAlgn="auto" latinLnBrk="0" hangingPunct="0">
@@ -9349,10 +8890,6 @@
               </a:rPr>
               <a:t>Observer</a:t>
             </a:r>
-            <a:endParaRPr lang="en-US" altLang="zh-CN" dirty="0" smtClean="0">
-              <a:ea typeface="宋体" panose="02010600030101010101" pitchFamily="2" charset="-122"/>
-              <a:sym typeface="Helvetica"/>
-            </a:endParaRPr>
           </a:p>
         </p:txBody>
       </p:sp>
@@ -9631,20 +9168,6 @@
               </a:rPr>
               <a:t>对象</a:t>
             </a:r>
-            <a:endParaRPr kumimoji="0" lang="zh-CN" altLang="en-US" sz="1800" b="0" i="0" u="none" strike="noStrike" cap="none" spc="0" normalizeH="0" baseline="0" dirty="0">
-              <a:ln>
-                <a:noFill/>
-              </a:ln>
-              <a:solidFill>
-                <a:srgbClr val="000000"/>
-              </a:solidFill>
-              <a:effectLst/>
-              <a:uFillTx/>
-              <a:latin typeface="+mn-lt"/>
-              <a:ea typeface="宋体" panose="02010600030101010101" pitchFamily="2" charset="-122"/>
-              <a:cs typeface="+mn-cs"/>
-              <a:sym typeface="Helvetica"/>
-            </a:endParaRPr>
           </a:p>
           <a:p>
             <a:pPr marL="285750" marR="0" indent="-285750" algn="l" defTabSz="914400" rtl="0" fontAlgn="auto" latinLnBrk="0" hangingPunct="0">
@@ -9730,20 +9253,6 @@
               </a:rPr>
               <a:t>Observer</a:t>
             </a:r>
-            <a:endParaRPr kumimoji="0" lang="en-US" altLang="zh-CN" sz="1800" b="0" i="0" u="none" strike="noStrike" cap="none" spc="0" normalizeH="0" baseline="0" dirty="0">
-              <a:ln>
-                <a:noFill/>
-              </a:ln>
-              <a:solidFill>
-                <a:srgbClr val="000000"/>
-              </a:solidFill>
-              <a:effectLst/>
-              <a:uFillTx/>
-              <a:latin typeface="+mn-lt"/>
-              <a:ea typeface="宋体" panose="02010600030101010101" pitchFamily="2" charset="-122"/>
-              <a:cs typeface="+mn-cs"/>
-              <a:sym typeface="Helvetica"/>
-            </a:endParaRPr>
           </a:p>
           <a:p>
             <a:pPr marL="285750" marR="0" indent="-285750" algn="l" defTabSz="914400" rtl="0" fontAlgn="auto" latinLnBrk="0" hangingPunct="0">
@@ -9863,20 +9372,6 @@
               </a:rPr>
               <a:t>Observer</a:t>
             </a:r>
-            <a:endParaRPr kumimoji="0" lang="en-US" altLang="zh-CN" sz="1800" b="0" i="0" u="none" strike="noStrike" cap="none" spc="0" normalizeH="0" baseline="0" dirty="0">
-              <a:ln>
-                <a:noFill/>
-              </a:ln>
-              <a:solidFill>
-                <a:srgbClr val="000000"/>
-              </a:solidFill>
-              <a:effectLst/>
-              <a:uFillTx/>
-              <a:latin typeface="+mn-lt"/>
-              <a:ea typeface="宋体" panose="02010600030101010101" pitchFamily="2" charset="-122"/>
-              <a:cs typeface="+mn-cs"/>
-              <a:sym typeface="Helvetica"/>
-            </a:endParaRPr>
           </a:p>
           <a:p>
             <a:pPr marL="285750" marR="0" indent="-285750" algn="l" defTabSz="914400" rtl="0" fontAlgn="auto" latinLnBrk="0" hangingPunct="0">
@@ -9979,20 +9474,6 @@
               </a:rPr>
               <a:t>对象</a:t>
             </a:r>
-            <a:endParaRPr kumimoji="0" lang="zh-CN" altLang="en-US" sz="1800" b="0" i="0" u="none" strike="noStrike" cap="none" spc="0" normalizeH="0" baseline="0" dirty="0">
-              <a:ln>
-                <a:noFill/>
-              </a:ln>
-              <a:solidFill>
-                <a:srgbClr val="000000"/>
-              </a:solidFill>
-              <a:effectLst/>
-              <a:uFillTx/>
-              <a:latin typeface="+mn-lt"/>
-              <a:ea typeface="宋体" panose="02010600030101010101" pitchFamily="2" charset="-122"/>
-              <a:cs typeface="+mn-cs"/>
-              <a:sym typeface="Helvetica"/>
-            </a:endParaRPr>
           </a:p>
           <a:p>
             <a:pPr marL="285750" marR="0" indent="-285750" algn="l" defTabSz="914400" rtl="0" fontAlgn="auto" latinLnBrk="0" hangingPunct="0">
@@ -11242,20 +10723,6 @@
               </a:rPr>
               <a:t>onSubscribe</a:t>
             </a:r>
-            <a:endParaRPr kumimoji="0" lang="en-US" altLang="zh-CN" sz="1600" b="0" i="0" u="none" strike="noStrike" cap="none" spc="0" normalizeH="0" baseline="0">
-              <a:ln>
-                <a:noFill/>
-              </a:ln>
-              <a:solidFill>
-                <a:schemeClr val="bg1"/>
-              </a:solidFill>
-              <a:effectLst/>
-              <a:uFillTx/>
-              <a:latin typeface="+mn-lt"/>
-              <a:ea typeface="+mn-ea"/>
-              <a:cs typeface="+mn-cs"/>
-              <a:sym typeface="Helvetica"/>
-            </a:endParaRPr>
           </a:p>
           <a:p>
             <a:pPr marL="0" marR="0" indent="0" algn="l" defTabSz="914400" rtl="0" fontAlgn="auto" latinLnBrk="0" hangingPunct="0">
@@ -11290,20 +10757,6 @@
               </a:rPr>
               <a:t>onNext</a:t>
             </a:r>
-            <a:endParaRPr kumimoji="0" lang="en-US" altLang="zh-CN" sz="1600" b="0" i="0" u="none" strike="noStrike" cap="none" spc="0" normalizeH="0" baseline="0">
-              <a:ln>
-                <a:noFill/>
-              </a:ln>
-              <a:solidFill>
-                <a:schemeClr val="bg1"/>
-              </a:solidFill>
-              <a:effectLst/>
-              <a:uFillTx/>
-              <a:latin typeface="+mn-lt"/>
-              <a:ea typeface="+mn-ea"/>
-              <a:cs typeface="+mn-cs"/>
-              <a:sym typeface="Helvetica"/>
-            </a:endParaRPr>
           </a:p>
           <a:p>
             <a:pPr marL="0" marR="0" indent="0" algn="l" defTabSz="914400" rtl="0" fontAlgn="auto" latinLnBrk="0" hangingPunct="0">
@@ -11338,20 +10791,6 @@
               </a:rPr>
               <a:t>onError</a:t>
             </a:r>
-            <a:endParaRPr kumimoji="0" lang="en-US" altLang="zh-CN" sz="1600" b="0" i="0" u="none" strike="noStrike" cap="none" spc="0" normalizeH="0" baseline="0">
-              <a:ln>
-                <a:noFill/>
-              </a:ln>
-              <a:solidFill>
-                <a:schemeClr val="bg1"/>
-              </a:solidFill>
-              <a:effectLst/>
-              <a:uFillTx/>
-              <a:latin typeface="+mn-lt"/>
-              <a:ea typeface="+mn-ea"/>
-              <a:cs typeface="+mn-cs"/>
-              <a:sym typeface="Helvetica"/>
-            </a:endParaRPr>
           </a:p>
           <a:p>
             <a:pPr marL="0" marR="0" indent="0" algn="l" defTabSz="914400" rtl="0" fontAlgn="auto" latinLnBrk="0" hangingPunct="0">
@@ -11386,20 +10825,6 @@
               </a:rPr>
               <a:t>onComplete</a:t>
             </a:r>
-            <a:endParaRPr kumimoji="0" lang="en-US" altLang="zh-CN" sz="1600" b="0" i="0" u="none" strike="noStrike" cap="none" spc="0" normalizeH="0" baseline="0">
-              <a:ln>
-                <a:noFill/>
-              </a:ln>
-              <a:solidFill>
-                <a:schemeClr val="bg1"/>
-              </a:solidFill>
-              <a:effectLst/>
-              <a:uFillTx/>
-              <a:latin typeface="+mn-lt"/>
-              <a:ea typeface="+mn-ea"/>
-              <a:cs typeface="+mn-cs"/>
-              <a:sym typeface="Helvetica"/>
-            </a:endParaRPr>
           </a:p>
         </p:txBody>
       </p:sp>
@@ -11513,20 +10938,6 @@
               </a:rPr>
               <a:t>onNext</a:t>
             </a:r>
-            <a:endParaRPr kumimoji="0" lang="en-US" altLang="zh-CN" sz="1600" b="0" i="0" u="none" strike="noStrike" cap="none" spc="0" normalizeH="0" baseline="0">
-              <a:ln>
-                <a:noFill/>
-              </a:ln>
-              <a:solidFill>
-                <a:schemeClr val="bg1"/>
-              </a:solidFill>
-              <a:effectLst/>
-              <a:uFillTx/>
-              <a:latin typeface="+mn-lt"/>
-              <a:ea typeface="+mn-ea"/>
-              <a:cs typeface="+mn-cs"/>
-              <a:sym typeface="Helvetica"/>
-            </a:endParaRPr>
           </a:p>
           <a:p>
             <a:pPr marL="0" marR="0" indent="0" algn="l" defTabSz="914400" rtl="0" fontAlgn="auto" latinLnBrk="0" hangingPunct="0">
@@ -11561,20 +10972,6 @@
               </a:rPr>
               <a:t>onError</a:t>
             </a:r>
-            <a:endParaRPr kumimoji="0" lang="en-US" altLang="zh-CN" sz="1600" b="0" i="0" u="none" strike="noStrike" cap="none" spc="0" normalizeH="0" baseline="0">
-              <a:ln>
-                <a:noFill/>
-              </a:ln>
-              <a:solidFill>
-                <a:schemeClr val="bg1"/>
-              </a:solidFill>
-              <a:effectLst/>
-              <a:uFillTx/>
-              <a:latin typeface="+mn-lt"/>
-              <a:ea typeface="+mn-ea"/>
-              <a:cs typeface="+mn-cs"/>
-              <a:sym typeface="Helvetica"/>
-            </a:endParaRPr>
           </a:p>
           <a:p>
             <a:pPr marL="0" marR="0" indent="0" algn="l" defTabSz="914400" rtl="0" fontAlgn="auto" latinLnBrk="0" hangingPunct="0">
@@ -11609,20 +11006,6 @@
               </a:rPr>
               <a:t>onComplete</a:t>
             </a:r>
-            <a:endParaRPr kumimoji="0" lang="en-US" altLang="zh-CN" sz="1600" b="0" i="0" u="none" strike="noStrike" cap="none" spc="0" normalizeH="0" baseline="0">
-              <a:ln>
-                <a:noFill/>
-              </a:ln>
-              <a:solidFill>
-                <a:schemeClr val="bg1"/>
-              </a:solidFill>
-              <a:effectLst/>
-              <a:uFillTx/>
-              <a:latin typeface="+mn-lt"/>
-              <a:ea typeface="+mn-ea"/>
-              <a:cs typeface="+mn-cs"/>
-              <a:sym typeface="Helvetica"/>
-            </a:endParaRPr>
           </a:p>
         </p:txBody>
       </p:sp>
@@ -11736,20 +11119,6 @@
               </a:rPr>
               <a:t>onNext</a:t>
             </a:r>
-            <a:endParaRPr kumimoji="0" lang="en-US" altLang="zh-CN" sz="1600" b="0" i="0" u="none" strike="noStrike" cap="none" spc="0" normalizeH="0" baseline="0">
-              <a:ln>
-                <a:noFill/>
-              </a:ln>
-              <a:solidFill>
-                <a:schemeClr val="bg1"/>
-              </a:solidFill>
-              <a:effectLst/>
-              <a:uFillTx/>
-              <a:latin typeface="+mn-lt"/>
-              <a:ea typeface="+mn-ea"/>
-              <a:cs typeface="+mn-cs"/>
-              <a:sym typeface="Helvetica"/>
-            </a:endParaRPr>
           </a:p>
           <a:p>
             <a:pPr marL="0" marR="0" indent="0" algn="l" defTabSz="914400" rtl="0" fontAlgn="auto" latinLnBrk="0" hangingPunct="0">
@@ -11784,20 +11153,6 @@
               </a:rPr>
               <a:t>onError</a:t>
             </a:r>
-            <a:endParaRPr kumimoji="0" lang="en-US" altLang="zh-CN" sz="1600" b="0" i="0" u="none" strike="noStrike" cap="none" spc="0" normalizeH="0" baseline="0">
-              <a:ln>
-                <a:noFill/>
-              </a:ln>
-              <a:solidFill>
-                <a:schemeClr val="bg1"/>
-              </a:solidFill>
-              <a:effectLst/>
-              <a:uFillTx/>
-              <a:latin typeface="+mn-lt"/>
-              <a:ea typeface="+mn-ea"/>
-              <a:cs typeface="+mn-cs"/>
-              <a:sym typeface="Helvetica"/>
-            </a:endParaRPr>
           </a:p>
           <a:p>
             <a:pPr marL="0" marR="0" indent="0" algn="l" defTabSz="914400" rtl="0" fontAlgn="auto" latinLnBrk="0" hangingPunct="0">
@@ -11832,20 +11187,6 @@
               </a:rPr>
               <a:t>onComplete</a:t>
             </a:r>
-            <a:endParaRPr kumimoji="0" lang="en-US" altLang="zh-CN" sz="1600" b="0" i="0" u="none" strike="noStrike" cap="none" spc="0" normalizeH="0" baseline="0">
-              <a:ln>
-                <a:noFill/>
-              </a:ln>
-              <a:solidFill>
-                <a:schemeClr val="bg1"/>
-              </a:solidFill>
-              <a:effectLst/>
-              <a:uFillTx/>
-              <a:latin typeface="+mn-lt"/>
-              <a:ea typeface="+mn-ea"/>
-              <a:cs typeface="+mn-cs"/>
-              <a:sym typeface="Helvetica"/>
-            </a:endParaRPr>
           </a:p>
         </p:txBody>
       </p:sp>
@@ -11919,20 +11260,6 @@
               </a:rPr>
               <a:t>ObservableSource</a:t>
             </a:r>
-            <a:endParaRPr kumimoji="0" lang="en-US" altLang="zh-CN" sz="1600" b="0" i="0" u="none" strike="noStrike" cap="none" spc="0" normalizeH="0" baseline="0">
-              <a:ln>
-                <a:noFill/>
-              </a:ln>
-              <a:solidFill>
-                <a:schemeClr val="bg1"/>
-              </a:solidFill>
-              <a:effectLst/>
-              <a:uFillTx/>
-              <a:latin typeface="+mn-lt"/>
-              <a:ea typeface="+mn-ea"/>
-              <a:cs typeface="+mn-cs"/>
-              <a:sym typeface="Helvetica"/>
-            </a:endParaRPr>
           </a:p>
         </p:txBody>
       </p:sp>
@@ -12006,20 +11333,6 @@
               </a:rPr>
               <a:t>ObservableOpr1</a:t>
             </a:r>
-            <a:endParaRPr kumimoji="0" lang="en-US" altLang="zh-CN" sz="1600" b="0" i="0" u="none" strike="noStrike" cap="none" spc="0" normalizeH="0" baseline="0">
-              <a:ln>
-                <a:noFill/>
-              </a:ln>
-              <a:solidFill>
-                <a:schemeClr val="bg1"/>
-              </a:solidFill>
-              <a:effectLst/>
-              <a:uFillTx/>
-              <a:latin typeface="+mn-lt"/>
-              <a:ea typeface="+mn-ea"/>
-              <a:cs typeface="+mn-cs"/>
-              <a:sym typeface="Helvetica"/>
-            </a:endParaRPr>
           </a:p>
         </p:txBody>
       </p:sp>
@@ -12093,20 +11406,6 @@
               </a:rPr>
               <a:t>ObservableOprN</a:t>
             </a:r>
-            <a:endParaRPr kumimoji="0" lang="en-US" altLang="zh-CN" sz="1600" b="0" i="0" u="none" strike="noStrike" cap="none" spc="0" normalizeH="0" baseline="0">
-              <a:ln>
-                <a:noFill/>
-              </a:ln>
-              <a:solidFill>
-                <a:schemeClr val="bg1"/>
-              </a:solidFill>
-              <a:effectLst/>
-              <a:uFillTx/>
-              <a:latin typeface="+mn-lt"/>
-              <a:ea typeface="+mn-ea"/>
-              <a:cs typeface="+mn-cs"/>
-              <a:sym typeface="Helvetica"/>
-            </a:endParaRPr>
           </a:p>
         </p:txBody>
       </p:sp>
@@ -12180,20 +11479,6 @@
               </a:rPr>
               <a:t>...</a:t>
             </a:r>
-            <a:endParaRPr kumimoji="0" lang="en-US" altLang="zh-CN" sz="1800" b="0" i="0" u="none" strike="noStrike" cap="none" spc="0" normalizeH="0" baseline="0">
-              <a:ln>
-                <a:noFill/>
-              </a:ln>
-              <a:solidFill>
-                <a:srgbClr val="000000"/>
-              </a:solidFill>
-              <a:effectLst/>
-              <a:uFillTx/>
-              <a:latin typeface="+mn-lt"/>
-              <a:ea typeface="+mn-ea"/>
-              <a:cs typeface="+mn-cs"/>
-              <a:sym typeface="Helvetica"/>
-            </a:endParaRPr>
           </a:p>
         </p:txBody>
       </p:sp>
@@ -12267,20 +11552,6 @@
               </a:rPr>
               <a:t>OprObserver1</a:t>
             </a:r>
-            <a:endParaRPr kumimoji="0" lang="en-US" altLang="zh-CN" sz="1600" b="0" i="0" u="none" strike="noStrike" cap="none" spc="0" normalizeH="0" baseline="0">
-              <a:ln>
-                <a:noFill/>
-              </a:ln>
-              <a:solidFill>
-                <a:schemeClr val="bg1"/>
-              </a:solidFill>
-              <a:effectLst/>
-              <a:uFillTx/>
-              <a:latin typeface="+mn-lt"/>
-              <a:ea typeface="+mn-ea"/>
-              <a:cs typeface="+mn-cs"/>
-              <a:sym typeface="Helvetica"/>
-            </a:endParaRPr>
           </a:p>
         </p:txBody>
       </p:sp>
@@ -12354,20 +11625,6 @@
               </a:rPr>
               <a:t>OprObserverN</a:t>
             </a:r>
-            <a:endParaRPr kumimoji="0" lang="en-US" altLang="zh-CN" sz="1600" b="0" i="0" u="none" strike="noStrike" cap="none" spc="0" normalizeH="0" baseline="0">
-              <a:ln>
-                <a:noFill/>
-              </a:ln>
-              <a:solidFill>
-                <a:schemeClr val="bg1"/>
-              </a:solidFill>
-              <a:effectLst/>
-              <a:uFillTx/>
-              <a:latin typeface="+mn-lt"/>
-              <a:ea typeface="+mn-ea"/>
-              <a:cs typeface="+mn-cs"/>
-              <a:sym typeface="Helvetica"/>
-            </a:endParaRPr>
           </a:p>
         </p:txBody>
       </p:sp>
@@ -12441,20 +11698,6 @@
               </a:rPr>
               <a:t>Observer</a:t>
             </a:r>
-            <a:endParaRPr kumimoji="0" lang="en-US" altLang="zh-CN" sz="1600" b="0" i="0" u="none" strike="noStrike" cap="none" spc="0" normalizeH="0" baseline="0">
-              <a:ln>
-                <a:noFill/>
-              </a:ln>
-              <a:solidFill>
-                <a:schemeClr val="bg1"/>
-              </a:solidFill>
-              <a:effectLst/>
-              <a:uFillTx/>
-              <a:latin typeface="+mn-lt"/>
-              <a:ea typeface="+mn-ea"/>
-              <a:cs typeface="+mn-cs"/>
-              <a:sym typeface="Helvetica"/>
-            </a:endParaRPr>
           </a:p>
         </p:txBody>
       </p:sp>
@@ -13032,22 +12275,6 @@
               </a:rPr>
               <a:t>构建阶段</a:t>
             </a:r>
-            <a:endParaRPr kumimoji="0" lang="zh-CN" altLang="zh-CN" sz="1800" b="0" i="0" u="none" strike="noStrike" cap="none" spc="0" normalizeH="0" baseline="0">
-              <a:ln>
-                <a:noFill/>
-              </a:ln>
-              <a:solidFill>
-                <a:schemeClr val="accent3">
-                  <a:lumMod val="50000"/>
-                </a:schemeClr>
-              </a:solidFill>
-              <a:effectLst/>
-              <a:uFillTx/>
-              <a:latin typeface="+mn-lt"/>
-              <a:ea typeface="宋体" panose="02010600030101010101" pitchFamily="2" charset="-122"/>
-              <a:cs typeface="+mn-cs"/>
-              <a:sym typeface="Helvetica"/>
-            </a:endParaRPr>
           </a:p>
         </p:txBody>
       </p:sp>
@@ -13138,20 +12365,6 @@
               </a:rPr>
               <a:t>订阅阶段</a:t>
             </a:r>
-            <a:endParaRPr kumimoji="0" lang="zh-CN" altLang="en-US" sz="1800" b="0" i="0" u="none" strike="noStrike" cap="none" spc="0" normalizeH="0" baseline="0">
-              <a:ln>
-                <a:noFill/>
-              </a:ln>
-              <a:solidFill>
-                <a:srgbClr val="7030A0"/>
-              </a:solidFill>
-              <a:effectLst/>
-              <a:uFillTx/>
-              <a:latin typeface="+mn-lt"/>
-              <a:ea typeface="宋体" panose="02010600030101010101" pitchFamily="2" charset="-122"/>
-              <a:cs typeface="+mn-cs"/>
-              <a:sym typeface="Helvetica"/>
-            </a:endParaRPr>
           </a:p>
         </p:txBody>
       </p:sp>
@@ -13246,22 +12459,6 @@
               </a:rPr>
               <a:t>运行阶段</a:t>
             </a:r>
-            <a:endParaRPr kumimoji="0" lang="zh-CN" altLang="en-US" sz="1800" b="0" i="0" u="none" strike="noStrike" cap="none" spc="0" normalizeH="0" baseline="0">
-              <a:ln>
-                <a:noFill/>
-              </a:ln>
-              <a:solidFill>
-                <a:schemeClr val="accent6">
-                  <a:lumMod val="75000"/>
-                </a:schemeClr>
-              </a:solidFill>
-              <a:effectLst/>
-              <a:uFillTx/>
-              <a:latin typeface="+mn-lt"/>
-              <a:ea typeface="宋体" panose="02010600030101010101" pitchFamily="2" charset="-122"/>
-              <a:cs typeface="+mn-cs"/>
-              <a:sym typeface="Helvetica"/>
-            </a:endParaRPr>
           </a:p>
         </p:txBody>
       </p:sp>
@@ -14331,7 +13528,7 @@
           <p:nvPr/>
         </p:nvPicPr>
         <p:blipFill>
-          <a:blip r:embed="rId1">
+          <a:blip r:embed="rId3">
             <a:extLst>
               <a:ext uri="{28A0092B-C50C-407E-A947-70E740481C1C}">
                 <a14:useLocalDpi xmlns:a14="http://schemas.microsoft.com/office/drawing/2010/main" val="0"/>
@@ -14440,20 +13637,6 @@
               </a:rPr>
               <a:t>线程调度</a:t>
             </a:r>
-            <a:endParaRPr kumimoji="0" lang="zh-CN" altLang="zh-CN" sz="2800" b="0" i="0" u="none" strike="noStrike" cap="none" spc="0" normalizeH="0" baseline="0" dirty="0" smtClean="0">
-              <a:ln>
-                <a:noFill/>
-              </a:ln>
-              <a:solidFill>
-                <a:srgbClr val="000000"/>
-              </a:solidFill>
-              <a:effectLst/>
-              <a:uFillTx/>
-              <a:latin typeface="+mn-lt"/>
-              <a:ea typeface="宋体" panose="02010600030101010101" pitchFamily="2" charset="-122"/>
-              <a:cs typeface="+mn-cs"/>
-              <a:sym typeface="Helvetica"/>
-            </a:endParaRPr>
           </a:p>
         </p:txBody>
       </p:sp>
@@ -14575,7 +13758,7 @@
           <p:nvPr/>
         </p:nvPicPr>
         <p:blipFill>
-          <a:blip r:embed="rId1"/>
+          <a:blip r:embed="rId3"/>
           <a:stretch>
             <a:fillRect/>
           </a:stretch>
@@ -14679,20 +13862,6 @@
               </a:rPr>
               <a:t>线程调度</a:t>
             </a:r>
-            <a:endParaRPr kumimoji="0" lang="zh-CN" altLang="zh-CN" sz="2800" b="0" i="0" u="none" strike="noStrike" cap="none" spc="0" normalizeH="0" baseline="0" dirty="0" smtClean="0">
-              <a:ln>
-                <a:noFill/>
-              </a:ln>
-              <a:solidFill>
-                <a:srgbClr val="000000"/>
-              </a:solidFill>
-              <a:effectLst/>
-              <a:uFillTx/>
-              <a:latin typeface="+mn-lt"/>
-              <a:ea typeface="宋体" panose="02010600030101010101" pitchFamily="2" charset="-122"/>
-              <a:cs typeface="+mn-cs"/>
-              <a:sym typeface="Helvetica"/>
-            </a:endParaRPr>
           </a:p>
         </p:txBody>
       </p:sp>
@@ -15219,10 +14388,6 @@
               </a:rPr>
               <a:t>在哪个线程中执行</a:t>
             </a:r>
-            <a:endParaRPr lang="zh-CN" altLang="en-US" dirty="0">
-              <a:ea typeface="宋体" panose="02010600030101010101" pitchFamily="2" charset="-122"/>
-              <a:sym typeface="Helvetica"/>
-            </a:endParaRPr>
           </a:p>
           <a:p>
             <a:pPr marL="285750" marR="0" indent="-285750" algn="l" defTabSz="914400" rtl="0" fontAlgn="auto" latinLnBrk="0" hangingPunct="0">
@@ -15445,7 +14610,14 @@
         <p:cNvGrpSpPr/>
         <p:nvPr/>
       </p:nvGrpSpPr>
-      <p:grpSpPr/>
+      <p:grpSpPr>
+        <a:xfrm>
+          <a:off x="0" y="0"/>
+          <a:ext cx="0" cy="0"/>
+          <a:chOff x="0" y="0"/>
+          <a:chExt cx="0" cy="0"/>
+        </a:xfrm>
+      </p:grpSpPr>
       <p:sp>
         <p:nvSpPr>
           <p:cNvPr id="4" name="文本框 3"/>
@@ -15484,6 +14656,7 @@
           <a:bodyPr rot="0" spcFirstLastPara="1" vertOverflow="overflow" horzOverflow="overflow" vert="horz" wrap="none" lIns="45718" tIns="45718" rIns="45718" bIns="45718" numCol="1" spcCol="38100" rtlCol="0" anchor="t">
             <a:spAutoFit/>
           </a:bodyPr>
+          <a:lstStyle/>
           <a:p>
             <a:pPr marL="0" marR="0" indent="0" algn="l" defTabSz="914400" rtl="0" fontAlgn="auto" latinLnBrk="0" hangingPunct="0">
               <a:lnSpc>
@@ -15534,20 +14707,6 @@
               </a:rPr>
               <a:t>线程调度</a:t>
             </a:r>
-            <a:endParaRPr kumimoji="0" lang="zh-CN" altLang="zh-CN" sz="2800" b="0" i="0" u="none" strike="noStrike" cap="none" spc="0" normalizeH="0" baseline="0" dirty="0" smtClean="0">
-              <a:ln>
-                <a:noFill/>
-              </a:ln>
-              <a:solidFill>
-                <a:srgbClr val="000000"/>
-              </a:solidFill>
-              <a:effectLst/>
-              <a:uFillTx/>
-              <a:latin typeface="+mn-lt"/>
-              <a:ea typeface="宋体" panose="02010600030101010101" pitchFamily="2" charset="-122"/>
-              <a:cs typeface="+mn-cs"/>
-              <a:sym typeface="Helvetica"/>
-            </a:endParaRPr>
           </a:p>
         </p:txBody>
       </p:sp>
@@ -15587,6 +14746,7 @@
           <a:bodyPr rot="0" vertOverflow="overflow" horzOverflow="overflow" vert="horz" wrap="none" lIns="45718" tIns="45718" rIns="45718" bIns="45718" numCol="1" spcCol="38100" rtlCol="0" anchor="t" forceAA="0">
             <a:spAutoFit/>
           </a:bodyPr>
+          <a:lstStyle/>
           <a:p>
             <a:pPr marL="0" marR="0" indent="0" algn="l" defTabSz="914400" rtl="0" fontAlgn="auto" latinLnBrk="0" hangingPunct="0">
               <a:lnSpc>
@@ -15620,20 +14780,6 @@
               </a:rPr>
               <a:t>Schedulers</a:t>
             </a:r>
-            <a:endParaRPr kumimoji="0" lang="en-US" altLang="zh-CN" sz="2400" b="0" i="0" u="none" strike="noStrike" cap="none" spc="0" normalizeH="0" baseline="0">
-              <a:ln>
-                <a:noFill/>
-              </a:ln>
-              <a:solidFill>
-                <a:srgbClr val="000000"/>
-              </a:solidFill>
-              <a:effectLst/>
-              <a:uFillTx/>
-              <a:latin typeface="+mn-lt"/>
-              <a:ea typeface="+mn-ea"/>
-              <a:cs typeface="+mn-cs"/>
-              <a:sym typeface="Helvetica"/>
-            </a:endParaRPr>
           </a:p>
         </p:txBody>
       </p:sp>
@@ -15673,6 +14819,7 @@
           <a:bodyPr rot="0" vertOverflow="overflow" horzOverflow="overflow" vert="horz" wrap="none" lIns="45718" tIns="45718" rIns="45718" bIns="45718" numCol="1" spcCol="38100" rtlCol="0" anchor="t" forceAA="0">
             <a:spAutoFit/>
           </a:bodyPr>
+          <a:lstStyle/>
           <a:p>
             <a:pPr marL="0" marR="0" indent="0" algn="l" defTabSz="914400" rtl="0" fontAlgn="auto" latinLnBrk="0" hangingPunct="0">
               <a:lnSpc>
@@ -15706,20 +14853,6 @@
               </a:rPr>
               <a:t>Schedulers.computation()：适用于计算密集型任务</a:t>
             </a:r>
-            <a:endParaRPr kumimoji="0" lang="zh-CN" altLang="en-US" sz="1800" b="0" i="0" u="none" strike="noStrike" cap="none" spc="0" normalizeH="0" baseline="0">
-              <a:ln>
-                <a:noFill/>
-              </a:ln>
-              <a:solidFill>
-                <a:srgbClr val="000000"/>
-              </a:solidFill>
-              <a:effectLst/>
-              <a:uFillTx/>
-              <a:latin typeface="+mn-lt"/>
-              <a:ea typeface="+mn-ea"/>
-              <a:cs typeface="+mn-cs"/>
-              <a:sym typeface="Helvetica"/>
-            </a:endParaRPr>
           </a:p>
         </p:txBody>
       </p:sp>
@@ -15759,6 +14892,7 @@
           <a:bodyPr rot="0" vertOverflow="overflow" horzOverflow="overflow" vert="horz" wrap="none" lIns="45718" tIns="45718" rIns="45718" bIns="45718" numCol="1" spcCol="38100" rtlCol="0" anchor="t" forceAA="0">
             <a:spAutoFit/>
           </a:bodyPr>
+          <a:lstStyle/>
           <a:p>
             <a:pPr marL="0" marR="0" indent="0" algn="l" defTabSz="914400" rtl="0" fontAlgn="auto" latinLnBrk="0" hangingPunct="0">
               <a:lnSpc>
@@ -15792,20 +14926,6 @@
               </a:rPr>
               <a:t>Schedulers.io()：适用于 IO 密集型任务</a:t>
             </a:r>
-            <a:endParaRPr kumimoji="0" lang="zh-CN" altLang="en-US" sz="1800" b="0" i="0" u="none" strike="noStrike" cap="none" spc="0" normalizeH="0" baseline="0">
-              <a:ln>
-                <a:noFill/>
-              </a:ln>
-              <a:solidFill>
-                <a:srgbClr val="000000"/>
-              </a:solidFill>
-              <a:effectLst/>
-              <a:uFillTx/>
-              <a:latin typeface="+mn-lt"/>
-              <a:ea typeface="+mn-ea"/>
-              <a:cs typeface="+mn-cs"/>
-              <a:sym typeface="Helvetica"/>
-            </a:endParaRPr>
           </a:p>
         </p:txBody>
       </p:sp>
@@ -15845,6 +14965,7 @@
           <a:bodyPr rot="0" vertOverflow="overflow" horzOverflow="overflow" vert="horz" wrap="none" lIns="45718" tIns="45718" rIns="45718" bIns="45718" numCol="1" spcCol="38100" rtlCol="0" anchor="t" forceAA="0">
             <a:spAutoFit/>
           </a:bodyPr>
+          <a:lstStyle/>
           <a:p>
             <a:pPr marL="0" marR="0" indent="0" algn="l" defTabSz="914400" rtl="0" fontAlgn="auto" latinLnBrk="0" hangingPunct="0">
               <a:lnSpc>
@@ -15895,20 +15016,6 @@
               </a:rPr>
               <a:t>线程中执行任务</a:t>
             </a:r>
-            <a:endParaRPr kumimoji="0" lang="zh-CN" altLang="en-US" sz="1800" b="0" i="0" u="none" strike="noStrike" cap="none" spc="0" normalizeH="0" baseline="0">
-              <a:ln>
-                <a:noFill/>
-              </a:ln>
-              <a:solidFill>
-                <a:srgbClr val="000000"/>
-              </a:solidFill>
-              <a:effectLst/>
-              <a:uFillTx/>
-              <a:latin typeface="+mn-lt"/>
-              <a:ea typeface="宋体" panose="02010600030101010101" pitchFamily="2" charset="-122"/>
-              <a:cs typeface="+mn-cs"/>
-              <a:sym typeface="Helvetica"/>
-            </a:endParaRPr>
           </a:p>
         </p:txBody>
       </p:sp>
@@ -15948,6 +15055,7 @@
           <a:bodyPr rot="0" vertOverflow="overflow" horzOverflow="overflow" vert="horz" wrap="none" lIns="45718" tIns="45718" rIns="45718" bIns="45718" numCol="1" spcCol="38100" rtlCol="0" anchor="t" forceAA="0">
             <a:spAutoFit/>
           </a:bodyPr>
+          <a:lstStyle/>
           <a:p>
             <a:pPr marL="0" marR="0" indent="0" algn="l" defTabSz="914400" rtl="0" fontAlgn="auto" latinLnBrk="0" hangingPunct="0">
               <a:lnSpc>
@@ -15981,20 +15089,6 @@
               </a:rPr>
               <a:t>Schedulers.newThread()：创建一个新线程来执行任务</a:t>
             </a:r>
-            <a:endParaRPr kumimoji="0" lang="zh-CN" altLang="en-US" sz="1800" b="0" i="0" u="none" strike="noStrike" cap="none" spc="0" normalizeH="0" baseline="0">
-              <a:ln>
-                <a:noFill/>
-              </a:ln>
-              <a:solidFill>
-                <a:srgbClr val="000000"/>
-              </a:solidFill>
-              <a:effectLst/>
-              <a:uFillTx/>
-              <a:latin typeface="+mn-lt"/>
-              <a:ea typeface="+mn-ea"/>
-              <a:cs typeface="+mn-cs"/>
-              <a:sym typeface="Helvetica"/>
-            </a:endParaRPr>
           </a:p>
         </p:txBody>
       </p:sp>
@@ -16034,6 +15128,7 @@
           <a:bodyPr rot="0" vertOverflow="overflow" horzOverflow="overflow" vert="horz" wrap="none" lIns="45718" tIns="45718" rIns="45718" bIns="45718" numCol="1" spcCol="38100" rtlCol="0" anchor="t" forceAA="0">
             <a:spAutoFit/>
           </a:bodyPr>
+          <a:lstStyle/>
           <a:p>
             <a:pPr marL="0" marR="0" indent="0" algn="l" defTabSz="914400" rtl="0" fontAlgn="auto" latinLnBrk="0" hangingPunct="0">
               <a:lnSpc>
@@ -16067,20 +15162,6 @@
               </a:rPr>
               <a:t>Schedulers.single()：所有任务都在一个线程单例中执行</a:t>
             </a:r>
-            <a:endParaRPr kumimoji="0" lang="zh-CN" altLang="en-US" sz="1800" b="0" i="0" u="none" strike="noStrike" cap="none" spc="0" normalizeH="0" baseline="0">
-              <a:ln>
-                <a:noFill/>
-              </a:ln>
-              <a:solidFill>
-                <a:srgbClr val="000000"/>
-              </a:solidFill>
-              <a:effectLst/>
-              <a:uFillTx/>
-              <a:latin typeface="+mn-lt"/>
-              <a:ea typeface="+mn-ea"/>
-              <a:cs typeface="+mn-cs"/>
-              <a:sym typeface="Helvetica"/>
-            </a:endParaRPr>
           </a:p>
         </p:txBody>
       </p:sp>
@@ -16120,6 +15201,7 @@
           <a:bodyPr rot="0" vertOverflow="overflow" horzOverflow="overflow" vert="horz" wrap="none" lIns="45718" tIns="45718" rIns="45718" bIns="45718" numCol="1" spcCol="38100" rtlCol="0" anchor="t" forceAA="0">
             <a:spAutoFit/>
           </a:bodyPr>
+          <a:lstStyle/>
           <a:p>
             <a:pPr marL="0" marR="0" indent="0" algn="l" defTabSz="914400" rtl="0" fontAlgn="auto" latinLnBrk="0" hangingPunct="0">
               <a:lnSpc>
@@ -16153,20 +15235,6 @@
               </a:rPr>
               <a:t>Schedulers.from(Executor)：在Executor创建的线程中执行任务</a:t>
             </a:r>
-            <a:endParaRPr kumimoji="0" lang="zh-CN" altLang="en-US" sz="1800" b="0" i="0" u="none" strike="noStrike" cap="none" spc="0" normalizeH="0" baseline="0">
-              <a:ln>
-                <a:noFill/>
-              </a:ln>
-              <a:solidFill>
-                <a:srgbClr val="000000"/>
-              </a:solidFill>
-              <a:effectLst/>
-              <a:uFillTx/>
-              <a:latin typeface="+mn-lt"/>
-              <a:ea typeface="+mn-ea"/>
-              <a:cs typeface="+mn-cs"/>
-              <a:sym typeface="Helvetica"/>
-            </a:endParaRPr>
           </a:p>
         </p:txBody>
       </p:sp>
@@ -16206,6 +15274,7 @@
           <a:bodyPr rot="0" vertOverflow="overflow" horzOverflow="overflow" vert="horz" wrap="none" lIns="45718" tIns="45718" rIns="45718" bIns="45718" numCol="1" spcCol="38100" rtlCol="0" anchor="t" forceAA="0">
             <a:spAutoFit/>
           </a:bodyPr>
+          <a:lstStyle/>
           <a:p>
             <a:pPr marL="0" marR="0" indent="0" algn="l" defTabSz="914400" rtl="0" fontAlgn="auto" latinLnBrk="0" hangingPunct="0">
               <a:lnSpc>
@@ -16239,20 +15308,6 @@
               </a:rPr>
               <a:t>AndroidSchedulers.mainThread()：在Android UI线程中执行任务</a:t>
             </a:r>
-            <a:endParaRPr kumimoji="0" lang="zh-CN" altLang="en-US" sz="1800" b="0" i="0" u="none" strike="noStrike" cap="none" spc="0" normalizeH="0" baseline="0">
-              <a:ln>
-                <a:noFill/>
-              </a:ln>
-              <a:solidFill>
-                <a:srgbClr val="000000"/>
-              </a:solidFill>
-              <a:effectLst/>
-              <a:uFillTx/>
-              <a:latin typeface="+mn-lt"/>
-              <a:ea typeface="+mn-ea"/>
-              <a:cs typeface="+mn-cs"/>
-              <a:sym typeface="Helvetica"/>
-            </a:endParaRPr>
           </a:p>
         </p:txBody>
       </p:sp>
@@ -16672,7 +15727,7 @@
             <a:r>
               <a:rPr lang="en-US" altLang="zh-CN" dirty="0">
                 <a:ea typeface="宋体" panose="02010600030101010101" pitchFamily="2" charset="-122"/>
-                <a:hlinkClick r:id="rId1"/>
+                <a:hlinkClick r:id="rId3"/>
               </a:rPr>
               <a:t>Create</a:t>
             </a:r>
@@ -16709,7 +15764,7 @@
             <a:r>
               <a:rPr lang="en-US" altLang="zh-CN" dirty="0">
                 <a:ea typeface="宋体" panose="02010600030101010101" pitchFamily="2" charset="-122"/>
-                <a:hlinkClick r:id="rId2"/>
+                <a:hlinkClick r:id="rId4"/>
               </a:rPr>
               <a:t>Just</a:t>
             </a:r>
@@ -16790,7 +15845,7 @@
               <a:rPr lang="en-US" altLang="zh-CN" dirty="0">
                 <a:ea typeface="宋体" panose="02010600030101010101" pitchFamily="2" charset="-122"/>
                 <a:sym typeface="+mn-ea"/>
-                <a:hlinkClick r:id="rId3"/>
+                <a:hlinkClick r:id="rId5"/>
               </a:rPr>
               <a:t>Flatmap</a:t>
             </a:r>
@@ -16805,7 +15860,7 @@
               <a:rPr lang="en-US" altLang="zh-CN" dirty="0">
                 <a:ea typeface="宋体" panose="02010600030101010101" pitchFamily="2" charset="-122"/>
                 <a:sym typeface="+mn-ea"/>
-                <a:hlinkClick r:id="rId4"/>
+                <a:hlinkClick r:id="rId6"/>
               </a:rPr>
               <a:t>Map</a:t>
             </a:r>
@@ -16820,7 +15875,7 @@
               <a:rPr lang="en-US" altLang="zh-CN" dirty="0">
                 <a:ea typeface="宋体" panose="02010600030101010101" pitchFamily="2" charset="-122"/>
                 <a:sym typeface="+mn-ea"/>
-                <a:hlinkClick r:id="rId5"/>
+                <a:hlinkClick r:id="rId7"/>
               </a:rPr>
               <a:t>GroupBy</a:t>
             </a:r>
@@ -16879,7 +15934,7 @@
               <a:rPr lang="en-US" altLang="zh-CN" dirty="0">
                 <a:ea typeface="宋体" panose="02010600030101010101" pitchFamily="2" charset="-122"/>
                 <a:sym typeface="+mn-ea"/>
-                <a:hlinkClick r:id="rId6"/>
+                <a:hlinkClick r:id="rId8"/>
               </a:rPr>
               <a:t>Filter</a:t>
             </a:r>
@@ -16908,7 +15963,7 @@
               <a:rPr lang="en-US" altLang="zh-CN" dirty="0">
                 <a:ea typeface="宋体" panose="02010600030101010101" pitchFamily="2" charset="-122"/>
                 <a:sym typeface="+mn-ea"/>
-                <a:hlinkClick r:id="rId7"/>
+                <a:hlinkClick r:id="rId9"/>
               </a:rPr>
               <a:t>Skip</a:t>
             </a:r>
@@ -16937,7 +15992,7 @@
               <a:rPr lang="en-US" altLang="zh-CN" dirty="0">
                 <a:ea typeface="宋体" panose="02010600030101010101" pitchFamily="2" charset="-122"/>
                 <a:sym typeface="+mn-ea"/>
-                <a:hlinkClick r:id="rId8"/>
+                <a:hlinkClick r:id="rId10"/>
               </a:rPr>
               <a:t>Take</a:t>
             </a:r>
@@ -16997,7 +16052,7 @@
               <a:rPr lang="en-US" altLang="zh-CN" dirty="0">
                 <a:ea typeface="宋体" panose="02010600030101010101" pitchFamily="2" charset="-122"/>
                 <a:sym typeface="+mn-ea"/>
-                <a:hlinkClick r:id="rId9"/>
+                <a:hlinkClick r:id="rId11"/>
               </a:rPr>
               <a:t>Merge</a:t>
             </a:r>
@@ -17091,7 +16146,7 @@
               <a:rPr lang="en-US" altLang="zh-CN" dirty="0">
                 <a:ea typeface="宋体" panose="02010600030101010101" pitchFamily="2" charset="-122"/>
                 <a:sym typeface="+mn-ea"/>
-                <a:hlinkClick r:id="rId10"/>
+                <a:hlinkClick r:id="rId12"/>
               </a:rPr>
               <a:t>ObserveOn</a:t>
             </a:r>
@@ -17106,7 +16161,7 @@
               <a:rPr lang="en-US" altLang="zh-CN" dirty="0">
                 <a:ea typeface="宋体" panose="02010600030101010101" pitchFamily="2" charset="-122"/>
                 <a:sym typeface="+mn-ea"/>
-                <a:hlinkClick r:id="rId11"/>
+                <a:hlinkClick r:id="rId13"/>
               </a:rPr>
               <a:t>SubscribeOn</a:t>
             </a:r>
@@ -17193,7 +16248,7 @@
               <a:rPr lang="en-US" altLang="zh-CN" dirty="0">
                 <a:ea typeface="宋体" panose="02010600030101010101" pitchFamily="2" charset="-122"/>
                 <a:sym typeface="+mn-ea"/>
-                <a:hlinkClick r:id="rId12"/>
+                <a:hlinkClick r:id="rId14"/>
               </a:rPr>
               <a:t>TakeUntil</a:t>
             </a:r>
@@ -17238,7 +16293,7 @@
               <a:rPr lang="en-US" altLang="zh-CN" dirty="0">
                 <a:ea typeface="宋体" panose="02010600030101010101" pitchFamily="2" charset="-122"/>
                 <a:sym typeface="+mn-ea"/>
-                <a:hlinkClick r:id="rId13"/>
+                <a:hlinkClick r:id="rId15"/>
               </a:rPr>
               <a:t>Concat</a:t>
             </a:r>
@@ -17267,7 +16322,7 @@
               <a:rPr lang="en-US" altLang="zh-CN" dirty="0">
                 <a:ea typeface="宋体" panose="02010600030101010101" pitchFamily="2" charset="-122"/>
                 <a:sym typeface="+mn-ea"/>
-                <a:hlinkClick r:id="rId14"/>
+                <a:hlinkClick r:id="rId16"/>
               </a:rPr>
               <a:t>Reduce</a:t>
             </a:r>
@@ -17314,7 +16369,7 @@
               <a:rPr lang="en-US" altLang="zh-CN" dirty="0">
                 <a:ea typeface="宋体" panose="02010600030101010101" pitchFamily="2" charset="-122"/>
                 <a:sym typeface="+mn-ea"/>
-                <a:hlinkClick r:id="rId15"/>
+                <a:hlinkClick r:id="rId17"/>
               </a:rPr>
               <a:t>Replay</a:t>
             </a:r>
@@ -17361,6 +16416,7 @@
           <a:bodyPr rot="0" vertOverflow="overflow" horzOverflow="overflow" vert="horz" wrap="none" lIns="45718" tIns="45718" rIns="45718" bIns="45718" numCol="1" spcCol="38100" rtlCol="0" anchor="t" forceAA="0">
             <a:spAutoFit/>
           </a:bodyPr>
+          <a:lstStyle/>
           <a:p>
             <a:pPr marL="0" marR="0" indent="0" algn="l" defTabSz="914400" rtl="0" fontAlgn="auto" latinLnBrk="0" hangingPunct="0">
               <a:lnSpc>
@@ -17391,7 +16447,7 @@
                 <a:ea typeface="+mn-ea"/>
                 <a:cs typeface="+mn-cs"/>
                 <a:sym typeface="Helvetica"/>
-                <a:hlinkClick r:id="rId16" tooltip=""/>
+                <a:hlinkClick r:id="rId18"/>
               </a:rPr>
               <a:t>RxJava</a:t>
             </a:r>
@@ -17409,7 +16465,7 @@
                 <a:ea typeface="宋体" panose="02010600030101010101" pitchFamily="2" charset="-122"/>
                 <a:cs typeface="+mn-cs"/>
                 <a:sym typeface="Helvetica"/>
-                <a:hlinkClick r:id="rId16" tooltip=""/>
+                <a:hlinkClick r:id="rId18"/>
               </a:rPr>
               <a:t>操作符说明</a:t>
             </a:r>
@@ -17605,7 +16661,6 @@
               <a:rPr lang="zh-CN" altLang="en-US" dirty="0"/>
               <a:t>区别与联系</a:t>
             </a:r>
-            <a:endParaRPr lang="zh-CN" altLang="en-US" dirty="0"/>
           </a:p>
           <a:p>
             <a:pPr marL="285750" indent="-285750">
@@ -17701,7 +16756,6 @@
               <a:rPr lang="en-US" altLang="zh-CN" dirty="0" smtClean="0"/>
               <a:t>Android</a:t>
             </a:r>
-            <a:endParaRPr lang="en-US" altLang="zh-CN" dirty="0" smtClean="0"/>
           </a:p>
         </p:txBody>
       </p:sp>
@@ -18175,22 +17229,6 @@
               </a:rPr>
               <a:t>Thank you!</a:t>
             </a:r>
-            <a:endParaRPr kumimoji="0" lang="en-US" altLang="zh-CN" sz="8800" b="0" i="0" u="none" strike="noStrike" cap="none" spc="0" normalizeH="0" baseline="0" dirty="0">
-              <a:ln>
-                <a:noFill/>
-              </a:ln>
-              <a:solidFill>
-                <a:schemeClr val="accent1">
-                  <a:lumMod val="75000"/>
-                </a:schemeClr>
-              </a:solidFill>
-              <a:effectLst/>
-              <a:uFillTx/>
-              <a:latin typeface="Tahoma" panose="020B0604030504040204" charset="0"/>
-              <a:ea typeface="+mn-ea"/>
-              <a:cs typeface="Tahoma" panose="020B0604030504040204" charset="0"/>
-              <a:sym typeface="Helvetica"/>
-            </a:endParaRPr>
           </a:p>
         </p:txBody>
       </p:sp>
@@ -18442,7 +17480,6 @@
               <a:rPr lang="zh-CN" altLang="en-US" sz="2600" dirty="0"/>
               <a:t>的定义</a:t>
             </a:r>
-            <a:endParaRPr lang="zh-CN" altLang="en-US" sz="2600" dirty="0"/>
           </a:p>
           <a:p>
             <a:pPr>
@@ -18458,7 +17495,6 @@
               <a:rPr lang="zh-CN" altLang="en-US" sz="2600" dirty="0"/>
               <a:t>响应式编程思想</a:t>
             </a:r>
-            <a:endParaRPr lang="zh-CN" altLang="en-US" sz="2600" dirty="0"/>
           </a:p>
           <a:p>
             <a:pPr>
@@ -18474,7 +17510,6 @@
               <a:rPr lang="zh-CN" altLang="en-US" sz="2600" dirty="0"/>
               <a:t>数据流</a:t>
             </a:r>
-            <a:endParaRPr lang="zh-CN" altLang="en-US" sz="2600" dirty="0"/>
           </a:p>
         </p:txBody>
       </p:sp>
@@ -18750,6 +17785,13 @@
               </a:rPr>
               <a:t> is a Java VM implementation of Reactive Extensions: a library for composing asynchronous and event-based programs by using observable sequences. </a:t>
             </a:r>
+            <a:r>
+              <a:rPr lang="zh-CN" altLang="en-US" dirty="0">
+                <a:latin typeface="Times New Roman" panose="02020603050405020304" pitchFamily="18" charset="0"/>
+                <a:cs typeface="Times New Roman" panose="02020603050405020304" pitchFamily="18" charset="0"/>
+              </a:rPr>
+              <a:t/>
+            </a:r>
             <a:br>
               <a:rPr lang="zh-CN" altLang="en-US" dirty="0">
                 <a:latin typeface="Times New Roman" panose="02020603050405020304" pitchFamily="18" charset="0"/>
@@ -19109,7 +18151,6 @@
               <a:rPr lang="zh-CN" altLang="en-US" sz="2800" dirty="0"/>
               <a:t>响应式编程</a:t>
             </a:r>
-            <a:endParaRPr lang="zh-CN" altLang="en-US" sz="2800" dirty="0"/>
           </a:p>
         </p:txBody>
       </p:sp>
@@ -19264,7 +18305,6 @@
               <a:rPr lang="zh-CN" altLang="en-US" sz="2400" dirty="0"/>
               <a:t>等。</a:t>
             </a:r>
-            <a:endParaRPr lang="zh-CN" altLang="en-US" sz="2400" dirty="0"/>
           </a:p>
           <a:p>
             <a:pPr marL="0" marR="0" indent="0" algn="l" defTabSz="914400" rtl="0" fontAlgn="auto" latinLnBrk="0" hangingPunct="0">
@@ -19308,7 +18348,7 @@
           <p:nvPr/>
         </p:nvPicPr>
         <p:blipFill>
-          <a:blip r:embed="rId1">
+          <a:blip r:embed="rId3">
             <a:extLst>
               <a:ext uri="{28A0092B-C50C-407E-A947-70E740481C1C}">
                 <a14:useLocalDpi xmlns:a14="http://schemas.microsoft.com/office/drawing/2010/main" val="0"/>
@@ -20260,6 +19300,7 @@
           <a:bodyPr rot="0" vertOverflow="overflow" horzOverflow="overflow" vert="horz" wrap="none" lIns="45718" tIns="45718" rIns="45718" bIns="45718" numCol="1" spcCol="38100" rtlCol="0" anchor="t" forceAA="0">
             <a:spAutoFit/>
           </a:bodyPr>
+          <a:lstStyle/>
           <a:p>
             <a:pPr marL="0" marR="0" indent="0" algn="l" defTabSz="914400" rtl="0" fontAlgn="auto" latinLnBrk="0" hangingPunct="0">
               <a:lnSpc>
@@ -20524,7 +19565,6 @@
               <a:rPr lang="zh-CN" altLang="en-US" sz="2800" dirty="0"/>
               <a:t>观察者模式</a:t>
             </a:r>
-            <a:endParaRPr lang="zh-CN" altLang="en-US" sz="2800" dirty="0"/>
           </a:p>
           <a:p>
             <a:pPr>
@@ -20548,7 +19588,6 @@
               <a:rPr lang="zh-CN" altLang="en-US" sz="2800" dirty="0"/>
               <a:t>的五种观察者模式</a:t>
             </a:r>
-            <a:endParaRPr lang="zh-CN" altLang="en-US" sz="2800" dirty="0"/>
           </a:p>
           <a:p>
             <a:pPr>
@@ -20813,7 +19852,7 @@
           <p:nvPr/>
         </p:nvPicPr>
         <p:blipFill>
-          <a:blip r:embed="rId1"/>
+          <a:blip r:embed="rId3"/>
           <a:stretch>
             <a:fillRect/>
           </a:stretch>
@@ -21135,7 +20174,7 @@
           <p:nvPr/>
         </p:nvPicPr>
         <p:blipFill>
-          <a:blip r:embed="rId1"/>
+          <a:blip r:embed="rId3"/>
           <a:stretch>
             <a:fillRect/>
           </a:stretch>
@@ -22199,6 +21238,7 @@
       </a:style>
     </a:txDef>
   </a:objectDefaults>
+  <a:extraClrSchemeLst/>
   <a:extLst>
     <a:ext uri="{05A4C25C-085E-4340-85A3-A5531E510DB2}">
       <thm15:themeFamily xmlns:thm15="http://schemas.microsoft.com/office/thememl/2012/main" name="Office Theme" id="{62F939B6-93AF-4DB8-9C6B-D6C7DFDC589F}" vid="{4A3C46E8-61CC-4603-A589-7422A47A8E4A}"/>
@@ -23240,6 +22280,7 @@
       </a:style>
     </a:txDef>
   </a:objectDefaults>
+  <a:extraClrSchemeLst/>
   <a:extLst>
     <a:ext uri="{05A4C25C-085E-4340-85A3-A5531E510DB2}">
       <thm15:themeFamily xmlns:thm15="http://schemas.microsoft.com/office/thememl/2012/main" name="Office Theme" id="{62F939B6-93AF-4DB8-9C6B-D6C7DFDC589F}" vid="{4A3C46E8-61CC-4603-A589-7422A47A8E4A}"/>
@@ -24281,6 +23322,7 @@
       </a:style>
     </a:txDef>
   </a:objectDefaults>
+  <a:extraClrSchemeLst/>
   <a:extLst>
     <a:ext uri="{05A4C25C-085E-4340-85A3-A5531E510DB2}">
       <thm15:themeFamily xmlns:thm15="http://schemas.microsoft.com/office/thememl/2012/main" name="Office Theme" id="{62F939B6-93AF-4DB8-9C6B-D6C7DFDC589F}" vid="{4A3C46E8-61CC-4603-A589-7422A47A8E4A}"/>
